--- a/ppt/实战项目.pptx
+++ b/ppt/实战项目.pptx
@@ -5,10 +5,10 @@
     <p:sldMasterId id="2147483648" r:id="rId1"/>
   </p:sldMasterIdLst>
   <p:notesMasterIdLst>
-    <p:notesMasterId r:id="rId17"/>
+    <p:notesMasterId r:id="rId21"/>
   </p:notesMasterIdLst>
   <p:handoutMasterIdLst>
-    <p:handoutMasterId r:id="rId18"/>
+    <p:handoutMasterId r:id="rId22"/>
   </p:handoutMasterIdLst>
   <p:sldIdLst>
     <p:sldId id="273" r:id="rId2"/>
@@ -24,8 +24,12 @@
     <p:sldId id="288" r:id="rId12"/>
     <p:sldId id="290" r:id="rId13"/>
     <p:sldId id="287" r:id="rId14"/>
-    <p:sldId id="289" r:id="rId15"/>
-    <p:sldId id="281" r:id="rId16"/>
+    <p:sldId id="294" r:id="rId15"/>
+    <p:sldId id="289" r:id="rId16"/>
+    <p:sldId id="291" r:id="rId17"/>
+    <p:sldId id="292" r:id="rId18"/>
+    <p:sldId id="293" r:id="rId19"/>
+    <p:sldId id="281" r:id="rId20"/>
   </p:sldIdLst>
   <p:sldSz cx="9144000" cy="5143500" type="screen16x9"/>
   <p:notesSz cx="6858000" cy="9144000"/>
@@ -210,7 +214,7 @@
             <a:fld id="{5F920F0F-0E56-2B45-B1BF-268524318682}" type="datetimeFigureOut">
               <a:rPr kumimoji="1" lang="zh-CN" altLang="en-US" smtClean="0"/>
               <a:pPr/>
-              <a:t>2020/3/5</a:t>
+              <a:t>2020/3/12</a:t>
             </a:fld>
             <a:endParaRPr kumimoji="1" lang="zh-CN" altLang="en-US"/>
           </a:p>
@@ -286,7 +290,7 @@
     </p:spTree>
     <p:extLst>
       <p:ext uri="{BB962C8B-B14F-4D97-AF65-F5344CB8AC3E}">
-        <p14:creationId xmlns:p14="http://schemas.microsoft.com/office/powerpoint/2010/main" val="3407571201"/>
+        <p14:creationId xmlns:p14="http://schemas.microsoft.com/office/powerpoint/2010/main" xmlns="" val="3407571201"/>
       </p:ext>
     </p:extLst>
   </p:cSld>
@@ -378,7 +382,7 @@
             <a:fld id="{FB86081A-1E41-D34E-AC33-11FD77CCCD8D}" type="datetimeFigureOut">
               <a:rPr kumimoji="1" lang="zh-CN" altLang="en-US" smtClean="0"/>
               <a:pPr/>
-              <a:t>2020/3/5</a:t>
+              <a:t>2020/3/12</a:t>
             </a:fld>
             <a:endParaRPr kumimoji="1" lang="zh-CN" altLang="en-US"/>
           </a:p>
@@ -547,7 +551,7 @@
     </p:spTree>
     <p:extLst>
       <p:ext uri="{BB962C8B-B14F-4D97-AF65-F5344CB8AC3E}">
-        <p14:creationId xmlns:p14="http://schemas.microsoft.com/office/powerpoint/2010/main" val="2106316760"/>
+        <p14:creationId xmlns:p14="http://schemas.microsoft.com/office/powerpoint/2010/main" xmlns="" val="2106316760"/>
       </p:ext>
     </p:extLst>
   </p:cSld>
@@ -838,6 +842,467 @@
 </p:notes>
 </file>
 
+<file path=ppt/notesSlides/notesSlide10.xml><?xml version="1.0" encoding="utf-8"?>
+<p:notes xmlns:a="http://schemas.openxmlformats.org/drawingml/2006/main" xmlns:r="http://schemas.openxmlformats.org/officeDocument/2006/relationships" xmlns:p="http://schemas.openxmlformats.org/presentationml/2006/main">
+  <p:cSld>
+    <p:spTree>
+      <p:nvGrpSpPr>
+        <p:cNvPr id="1" name=""/>
+        <p:cNvGrpSpPr/>
+        <p:nvPr/>
+      </p:nvGrpSpPr>
+      <p:grpSpPr>
+        <a:xfrm>
+          <a:off x="0" y="0"/>
+          <a:ext cx="0" cy="0"/>
+          <a:chOff x="0" y="0"/>
+          <a:chExt cx="0" cy="0"/>
+        </a:xfrm>
+      </p:grpSpPr>
+      <p:sp>
+        <p:nvSpPr>
+          <p:cNvPr id="2" name="幻灯片图像占位符 1"/>
+          <p:cNvSpPr>
+            <a:spLocks noGrp="1" noRot="1" noChangeAspect="1"/>
+          </p:cNvSpPr>
+          <p:nvPr>
+            <p:ph type="sldImg"/>
+          </p:nvPr>
+        </p:nvSpPr>
+        <p:spPr/>
+      </p:sp>
+      <p:sp>
+        <p:nvSpPr>
+          <p:cNvPr id="3" name="备注占位符 2"/>
+          <p:cNvSpPr>
+            <a:spLocks noGrp="1"/>
+          </p:cNvSpPr>
+          <p:nvPr>
+            <p:ph type="body" idx="1"/>
+          </p:nvPr>
+        </p:nvSpPr>
+        <p:spPr/>
+        <p:txBody>
+          <a:bodyPr>
+            <a:normAutofit/>
+          </a:bodyPr>
+          <a:lstStyle/>
+          <a:p>
+            <a:r>
+              <a:rPr lang="zh-CN" altLang="en-US" dirty="0" smtClean="0">
+                <a:hlinkClick r:id="rId3"/>
+              </a:rPr>
+              <a:t>陈咬金三板斧</a:t>
+            </a:r>
+          </a:p>
+          <a:p>
+            <a:r>
+              <a:rPr lang="zh-CN" altLang="en-US" dirty="0" smtClean="0">
+                <a:hlinkClick r:id="rId3"/>
+              </a:rPr>
+              <a:t>陈咬金第一斧  用这个技术解决了什么问题</a:t>
+            </a:r>
+          </a:p>
+          <a:p>
+            <a:r>
+              <a:rPr lang="zh-CN" altLang="en-US" dirty="0" smtClean="0">
+                <a:hlinkClick r:id="rId3"/>
+              </a:rPr>
+              <a:t>陈咬金第二斧 这样方式有什么缺点</a:t>
+            </a:r>
+          </a:p>
+          <a:p>
+            <a:r>
+              <a:rPr lang="zh-CN" altLang="en-US" dirty="0" smtClean="0">
+                <a:hlinkClick r:id="rId3"/>
+              </a:rPr>
+              <a:t>陈咬金第三斧 如何避免这个缺点</a:t>
+            </a:r>
+            <a:endParaRPr lang="en-US" dirty="0" smtClean="0">
+              <a:hlinkClick r:id="rId3"/>
+            </a:endParaRPr>
+          </a:p>
+          <a:p>
+            <a:r>
+              <a:rPr lang="en-US" dirty="0" smtClean="0">
+                <a:hlinkClick r:id="rId3"/>
+              </a:rPr>
+              <a:t>http://xiaorui.cc/archives/5866</a:t>
+            </a:r>
+            <a:endParaRPr lang="zh-CN" altLang="en-US" dirty="0"/>
+          </a:p>
+        </p:txBody>
+      </p:sp>
+      <p:sp>
+        <p:nvSpPr>
+          <p:cNvPr id="4" name="灯片编号占位符 3"/>
+          <p:cNvSpPr>
+            <a:spLocks noGrp="1"/>
+          </p:cNvSpPr>
+          <p:nvPr>
+            <p:ph type="sldNum" sz="quarter" idx="10"/>
+          </p:nvPr>
+        </p:nvSpPr>
+        <p:spPr/>
+        <p:txBody>
+          <a:bodyPr/>
+          <a:lstStyle/>
+          <a:p>
+            <a:fld id="{8AF453D5-9B32-8F40-BF12-CF5772967439}" type="slidenum">
+              <a:rPr kumimoji="1" lang="zh-CN" altLang="en-US" smtClean="0"/>
+              <a:pPr/>
+              <a:t>14</a:t>
+            </a:fld>
+            <a:endParaRPr kumimoji="1" lang="zh-CN" altLang="en-US"/>
+          </a:p>
+        </p:txBody>
+      </p:sp>
+    </p:spTree>
+  </p:cSld>
+  <p:clrMapOvr>
+    <a:masterClrMapping/>
+  </p:clrMapOvr>
+</p:notes>
+</file>
+
+<file path=ppt/notesSlides/notesSlide11.xml><?xml version="1.0" encoding="utf-8"?>
+<p:notes xmlns:a="http://schemas.openxmlformats.org/drawingml/2006/main" xmlns:r="http://schemas.openxmlformats.org/officeDocument/2006/relationships" xmlns:p="http://schemas.openxmlformats.org/presentationml/2006/main">
+  <p:cSld>
+    <p:spTree>
+      <p:nvGrpSpPr>
+        <p:cNvPr id="1" name=""/>
+        <p:cNvGrpSpPr/>
+        <p:nvPr/>
+      </p:nvGrpSpPr>
+      <p:grpSpPr>
+        <a:xfrm>
+          <a:off x="0" y="0"/>
+          <a:ext cx="0" cy="0"/>
+          <a:chOff x="0" y="0"/>
+          <a:chExt cx="0" cy="0"/>
+        </a:xfrm>
+      </p:grpSpPr>
+      <p:sp>
+        <p:nvSpPr>
+          <p:cNvPr id="2" name="幻灯片图像占位符 1"/>
+          <p:cNvSpPr>
+            <a:spLocks noGrp="1" noRot="1" noChangeAspect="1"/>
+          </p:cNvSpPr>
+          <p:nvPr>
+            <p:ph type="sldImg"/>
+          </p:nvPr>
+        </p:nvSpPr>
+        <p:spPr/>
+      </p:sp>
+      <p:sp>
+        <p:nvSpPr>
+          <p:cNvPr id="3" name="备注占位符 2"/>
+          <p:cNvSpPr>
+            <a:spLocks noGrp="1"/>
+          </p:cNvSpPr>
+          <p:nvPr>
+            <p:ph type="body" idx="1"/>
+          </p:nvPr>
+        </p:nvSpPr>
+        <p:spPr/>
+        <p:txBody>
+          <a:bodyPr>
+            <a:normAutofit/>
+          </a:bodyPr>
+          <a:lstStyle/>
+          <a:p>
+            <a:endParaRPr lang="en-US" altLang="zh-CN" dirty="0" smtClean="0"/>
+          </a:p>
+          <a:p>
+            <a:endParaRPr lang="en-US" altLang="zh-CN" dirty="0" smtClean="0"/>
+          </a:p>
+          <a:p>
+            <a:r>
+              <a:rPr lang="en-US" altLang="zh-CN" dirty="0" smtClean="0"/>
+              <a:t>1 </a:t>
+            </a:r>
+            <a:r>
+              <a:rPr lang="zh-CN" altLang="en-US" dirty="0" smtClean="0"/>
+              <a:t>不同协程如何通信的。共享全局</a:t>
+            </a:r>
+            <a:r>
+              <a:rPr lang="en-US" altLang="zh-CN" dirty="0" smtClean="0"/>
+              <a:t>static</a:t>
+            </a:r>
+            <a:r>
+              <a:rPr lang="zh-CN" altLang="en-US" dirty="0" smtClean="0"/>
+              <a:t>数据</a:t>
+            </a:r>
+            <a:r>
+              <a:rPr lang="en-US" altLang="zh-CN" dirty="0" smtClean="0"/>
+              <a:t>,</a:t>
+            </a:r>
+            <a:r>
+              <a:rPr lang="zh-CN" altLang="en-US" dirty="0" smtClean="0"/>
+              <a:t>传递</a:t>
+            </a:r>
+            <a:r>
+              <a:rPr lang="en-US" altLang="zh-CN" dirty="0" smtClean="0"/>
+              <a:t>this</a:t>
+            </a:r>
+            <a:r>
+              <a:rPr lang="zh-CN" altLang="en-US" dirty="0" smtClean="0"/>
+              <a:t>地址</a:t>
+            </a:r>
+            <a:endParaRPr lang="en-US" altLang="zh-CN" dirty="0" smtClean="0"/>
+          </a:p>
+          <a:p>
+            <a:r>
+              <a:rPr lang="en-US" altLang="zh-CN" dirty="0" smtClean="0"/>
+              <a:t>2.</a:t>
+            </a:r>
+            <a:r>
+              <a:rPr lang="zh-CN" altLang="en-US" dirty="0" smtClean="0"/>
+              <a:t>协程为什么使用</a:t>
+            </a:r>
+            <a:r>
+              <a:rPr lang="en-US" altLang="zh-CN" dirty="0" smtClean="0"/>
+              <a:t>lock</a:t>
+            </a:r>
+          </a:p>
+          <a:p>
+            <a:endParaRPr lang="en-US" altLang="zh-CN" dirty="0" smtClean="0"/>
+          </a:p>
+          <a:p>
+            <a:endParaRPr lang="en-US" altLang="zh-CN" dirty="0" smtClean="0"/>
+          </a:p>
+          <a:p>
+            <a:endParaRPr lang="en-US" altLang="zh-CN" dirty="0" smtClean="0"/>
+          </a:p>
+          <a:p>
+            <a:r>
+              <a:rPr lang="en-US" dirty="0" smtClean="0">
+                <a:hlinkClick r:id="rId3"/>
+              </a:rPr>
+              <a:t>https://github.com/zfengzhen/Blog/blob/master/article/%E4%B8%BA%E4%BA%92%E8%81%94%E7%BD%91%E5%BA%94%E7%94%A8%E7%A8%8B%E5%BA%8F%E8%80%8C%E7%94%9F%E7%9A%84State%20Threads[%E5%B8%B8%E8%A7%81%E5%90%8E%E5%8F%B0%E6%9E%B6%E6%9E%84%E6%B5%85%E6%9E%90].md</a:t>
+            </a:r>
+            <a:endParaRPr lang="en-US" altLang="zh-CN" dirty="0" smtClean="0"/>
+          </a:p>
+          <a:p>
+            <a:endParaRPr lang="en-US" altLang="zh-CN" dirty="0" smtClean="0"/>
+          </a:p>
+          <a:p>
+            <a:endParaRPr lang="en-US" altLang="zh-CN" dirty="0" smtClean="0"/>
+          </a:p>
+          <a:p>
+            <a:r>
+              <a:rPr lang="en-US" dirty="0" smtClean="0">
+                <a:hlinkClick r:id="rId4"/>
+              </a:rPr>
+              <a:t>http://xiaorui.cc/archives/5866</a:t>
+            </a:r>
+            <a:r>
+              <a:rPr lang="zh-CN" altLang="en-US" sz="1200" b="0" i="0" kern="1200" dirty="0" smtClean="0">
+                <a:solidFill>
+                  <a:schemeClr val="tx1"/>
+                </a:solidFill>
+                <a:latin typeface="+mn-lt"/>
+                <a:ea typeface="+mn-ea"/>
+                <a:cs typeface="+mn-cs"/>
+              </a:rPr>
+              <a:t>下游的某个</a:t>
+            </a:r>
+            <a:r>
+              <a:rPr lang="en-US" altLang="zh-CN" sz="1200" b="0" i="0" kern="1200" dirty="0" err="1" smtClean="0">
+                <a:solidFill>
+                  <a:schemeClr val="tx1"/>
+                </a:solidFill>
+                <a:latin typeface="+mn-lt"/>
+                <a:ea typeface="+mn-ea"/>
+                <a:cs typeface="+mn-cs"/>
+              </a:rPr>
+              <a:t>api</a:t>
+            </a:r>
+            <a:r>
+              <a:rPr lang="zh-CN" altLang="en-US" sz="1200" b="0" i="0" kern="1200" dirty="0" smtClean="0">
+                <a:solidFill>
+                  <a:schemeClr val="tx1"/>
+                </a:solidFill>
+                <a:latin typeface="+mn-lt"/>
+                <a:ea typeface="+mn-ea"/>
+                <a:cs typeface="+mn-cs"/>
+              </a:rPr>
+              <a:t>同一时间最多可以抗住</a:t>
+            </a:r>
+            <a:r>
+              <a:rPr lang="en-US" altLang="zh-CN" sz="1200" b="0" i="0" kern="1200" dirty="0" smtClean="0">
+                <a:solidFill>
+                  <a:schemeClr val="tx1"/>
+                </a:solidFill>
+                <a:latin typeface="+mn-lt"/>
+                <a:ea typeface="+mn-ea"/>
+                <a:cs typeface="+mn-cs"/>
+              </a:rPr>
+              <a:t>200</a:t>
+            </a:r>
+            <a:r>
+              <a:rPr lang="zh-CN" altLang="en-US" sz="1200" b="0" i="0" kern="1200" dirty="0" smtClean="0">
+                <a:solidFill>
+                  <a:schemeClr val="tx1"/>
+                </a:solidFill>
+                <a:latin typeface="+mn-lt"/>
+                <a:ea typeface="+mn-ea"/>
+                <a:cs typeface="+mn-cs"/>
+              </a:rPr>
+              <a:t>个长轮询请求</a:t>
+            </a:r>
+            <a:endParaRPr lang="en-US" altLang="zh-CN" sz="1200" b="0" i="0" kern="1200" dirty="0" smtClean="0">
+              <a:solidFill>
+                <a:schemeClr val="tx1"/>
+              </a:solidFill>
+              <a:latin typeface="+mn-lt"/>
+              <a:ea typeface="+mn-ea"/>
+              <a:cs typeface="+mn-cs"/>
+            </a:endParaRPr>
+          </a:p>
+          <a:p>
+            <a:r>
+              <a:rPr lang="en-US" dirty="0" smtClean="0">
+                <a:hlinkClick r:id="rId5"/>
+              </a:rPr>
+              <a:t>https://www.zhihu.com/question/332042250</a:t>
+            </a:r>
+            <a:endParaRPr lang="en-US" dirty="0" smtClean="0"/>
+          </a:p>
+          <a:p>
+            <a:endParaRPr lang="en-US" altLang="zh-CN" dirty="0" smtClean="0"/>
+          </a:p>
+          <a:p>
+            <a:r>
+              <a:rPr lang="en-US" dirty="0" smtClean="0">
+                <a:hlinkClick r:id="rId6"/>
+              </a:rPr>
+              <a:t>http://wsfdl.com/python/2014/10/08/%E4%B8%BA%E4%BB%80%E4%B9%88%E5%8D%8F%E7%A8%8B%E7%9A%84%E5%85%A8%E5%B1%80%E5%8F%98%E9%87%8F%E6%97%A0%E9%9C%80%E5%8A%A0%E9%94%81.html</a:t>
+            </a:r>
+            <a:endParaRPr lang="zh-CN" altLang="en-US" dirty="0"/>
+          </a:p>
+        </p:txBody>
+      </p:sp>
+      <p:sp>
+        <p:nvSpPr>
+          <p:cNvPr id="4" name="灯片编号占位符 3"/>
+          <p:cNvSpPr>
+            <a:spLocks noGrp="1"/>
+          </p:cNvSpPr>
+          <p:nvPr>
+            <p:ph type="sldNum" sz="quarter" idx="10"/>
+          </p:nvPr>
+        </p:nvSpPr>
+        <p:spPr/>
+        <p:txBody>
+          <a:bodyPr/>
+          <a:lstStyle/>
+          <a:p>
+            <a:fld id="{8AF453D5-9B32-8F40-BF12-CF5772967439}" type="slidenum">
+              <a:rPr kumimoji="1" lang="zh-CN" altLang="en-US" smtClean="0"/>
+              <a:pPr/>
+              <a:t>15</a:t>
+            </a:fld>
+            <a:endParaRPr kumimoji="1" lang="zh-CN" altLang="en-US"/>
+          </a:p>
+        </p:txBody>
+      </p:sp>
+    </p:spTree>
+  </p:cSld>
+  <p:clrMapOvr>
+    <a:masterClrMapping/>
+  </p:clrMapOvr>
+</p:notes>
+</file>
+
+<file path=ppt/notesSlides/notesSlide12.xml><?xml version="1.0" encoding="utf-8"?>
+<p:notes xmlns:a="http://schemas.openxmlformats.org/drawingml/2006/main" xmlns:r="http://schemas.openxmlformats.org/officeDocument/2006/relationships" xmlns:p="http://schemas.openxmlformats.org/presentationml/2006/main">
+  <p:cSld>
+    <p:spTree>
+      <p:nvGrpSpPr>
+        <p:cNvPr id="1" name=""/>
+        <p:cNvGrpSpPr/>
+        <p:nvPr/>
+      </p:nvGrpSpPr>
+      <p:grpSpPr>
+        <a:xfrm>
+          <a:off x="0" y="0"/>
+          <a:ext cx="0" cy="0"/>
+          <a:chOff x="0" y="0"/>
+          <a:chExt cx="0" cy="0"/>
+        </a:xfrm>
+      </p:grpSpPr>
+      <p:sp>
+        <p:nvSpPr>
+          <p:cNvPr id="2" name="幻灯片图像占位符 1"/>
+          <p:cNvSpPr>
+            <a:spLocks noGrp="1" noRot="1" noChangeAspect="1"/>
+          </p:cNvSpPr>
+          <p:nvPr>
+            <p:ph type="sldImg"/>
+          </p:nvPr>
+        </p:nvSpPr>
+        <p:spPr/>
+      </p:sp>
+      <p:sp>
+        <p:nvSpPr>
+          <p:cNvPr id="3" name="备注占位符 2"/>
+          <p:cNvSpPr>
+            <a:spLocks noGrp="1"/>
+          </p:cNvSpPr>
+          <p:nvPr>
+            <p:ph type="body" idx="1"/>
+          </p:nvPr>
+        </p:nvSpPr>
+        <p:spPr/>
+        <p:txBody>
+          <a:bodyPr>
+            <a:normAutofit/>
+          </a:bodyPr>
+          <a:lstStyle/>
+          <a:p>
+            <a:r>
+              <a:rPr lang="en-US" dirty="0" smtClean="0">
+                <a:hlinkClick r:id="rId3"/>
+              </a:rPr>
+              <a:t>https://blog.csdn.net/z4909801/article/details/81165460?depth_1-utm_source=distribute.pc_relevant.none-task&amp;utm_source=distribute.pc_relevant.none-task</a:t>
+            </a:r>
+            <a:endParaRPr lang="zh-CN" altLang="en-US" dirty="0"/>
+          </a:p>
+        </p:txBody>
+      </p:sp>
+      <p:sp>
+        <p:nvSpPr>
+          <p:cNvPr id="4" name="灯片编号占位符 3"/>
+          <p:cNvSpPr>
+            <a:spLocks noGrp="1"/>
+          </p:cNvSpPr>
+          <p:nvPr>
+            <p:ph type="sldNum" sz="quarter" idx="10"/>
+          </p:nvPr>
+        </p:nvSpPr>
+        <p:spPr/>
+        <p:txBody>
+          <a:bodyPr/>
+          <a:lstStyle/>
+          <a:p>
+            <a:fld id="{8AF453D5-9B32-8F40-BF12-CF5772967439}" type="slidenum">
+              <a:rPr kumimoji="1" lang="zh-CN" altLang="en-US" smtClean="0"/>
+              <a:pPr/>
+              <a:t>16</a:t>
+            </a:fld>
+            <a:endParaRPr kumimoji="1" lang="zh-CN" altLang="en-US"/>
+          </a:p>
+        </p:txBody>
+      </p:sp>
+    </p:spTree>
+  </p:cSld>
+  <p:clrMapOvr>
+    <a:masterClrMapping/>
+  </p:clrMapOvr>
+</p:notes>
+</file>
+
 <file path=ppt/notesSlides/notesSlide2.xml><?xml version="1.0" encoding="utf-8"?>
 <p:notes xmlns:a="http://schemas.openxmlformats.org/drawingml/2006/main" xmlns:r="http://schemas.openxmlformats.org/officeDocument/2006/relationships" xmlns:p="http://schemas.openxmlformats.org/presentationml/2006/main">
   <p:cSld>
@@ -1255,54 +1720,48 @@
           <a:lstStyle/>
           <a:p>
             <a:r>
-              <a:rPr lang="en-US" altLang="zh-CN" smtClean="0">
+              <a:rPr lang="en-US" altLang="zh-CN" dirty="0" smtClean="0">
                 <a:hlinkClick r:id="rId3"/>
               </a:rPr>
               <a:t>https://thrift.apache.org/</a:t>
             </a:r>
-            <a:endParaRPr lang="en-US" altLang="zh-CN" smtClean="0">
+            <a:endParaRPr lang="en-US" altLang="zh-CN" dirty="0" smtClean="0">
               <a:hlinkClick r:id="rId4"/>
             </a:endParaRPr>
           </a:p>
           <a:p>
             <a:r>
-              <a:rPr lang="en-US" altLang="zh-CN" smtClean="0">
+              <a:rPr lang="en-US" altLang="zh-CN" dirty="0" smtClean="0">
                 <a:hlinkClick r:id="rId4"/>
               </a:rPr>
-              <a:t>https</a:t>
-            </a:r>
-            <a:r>
-              <a:rPr lang="en-US" altLang="zh-CN" smtClean="0">
-                <a:hlinkClick r:id="rId4"/>
-              </a:rPr>
-              <a:t>://cloud.tencent.com/developer/article/1051853</a:t>
-            </a:r>
-            <a:endParaRPr lang="en-US" altLang="zh-CN" smtClean="0">
+              <a:t>https://cloud.tencent.com/developer/article/1051853</a:t>
+            </a:r>
+            <a:endParaRPr lang="en-US" altLang="zh-CN" dirty="0" smtClean="0">
               <a:hlinkClick r:id="rId5"/>
             </a:endParaRPr>
           </a:p>
           <a:p>
             <a:r>
-              <a:rPr lang="en-US" altLang="zh-CN" smtClean="0">
+              <a:rPr lang="en-US" altLang="zh-CN" dirty="0" smtClean="0">
                 <a:hlinkClick r:id="rId5"/>
               </a:rPr>
               <a:t>https://www.nowcoder.com/discuss/369353?type=all&amp;order=time&amp;pos=&amp;page=1</a:t>
             </a:r>
-            <a:endParaRPr lang="en-US" altLang="zh-CN" smtClean="0">
+            <a:endParaRPr lang="en-US" altLang="zh-CN" dirty="0" smtClean="0">
               <a:hlinkClick r:id="rId6"/>
             </a:endParaRPr>
           </a:p>
           <a:p>
             <a:r>
-              <a:rPr lang="en-US" altLang="zh-CN" smtClean="0">
+              <a:rPr lang="en-US" altLang="zh-CN" dirty="0" smtClean="0">
                 <a:hlinkClick r:id="rId6"/>
               </a:rPr>
               <a:t>https://www.nowcoder.com/questionTerminal/efe4df8ee83847f3bed36688ad71580a</a:t>
             </a:r>
-            <a:endParaRPr lang="en-US" altLang="zh-CN" smtClean="0"/>
-          </a:p>
-          <a:p>
-            <a:endParaRPr lang="en-US" altLang="zh-CN" sz="1200" b="0" i="0" kern="1200" smtClean="0">
+            <a:endParaRPr lang="en-US" altLang="zh-CN" dirty="0" smtClean="0"/>
+          </a:p>
+          <a:p>
+            <a:endParaRPr lang="en-US" altLang="zh-CN" sz="1200" b="0" i="0" kern="1200" dirty="0" smtClean="0">
               <a:solidFill>
                 <a:schemeClr val="tx1"/>
               </a:solidFill>
@@ -1313,7 +1772,7 @@
             </a:endParaRPr>
           </a:p>
           <a:p>
-            <a:endParaRPr lang="en-US" altLang="zh-CN" sz="1200" b="0" i="0" kern="1200" smtClean="0">
+            <a:endParaRPr lang="en-US" altLang="zh-CN" sz="1200" b="0" i="0" kern="1200" dirty="0" smtClean="0">
               <a:solidFill>
                 <a:schemeClr val="tx1"/>
               </a:solidFill>
@@ -1325,7 +1784,7 @@
           </a:p>
           <a:p>
             <a:r>
-              <a:rPr lang="zh-CN" altLang="en-US" sz="1200" b="0" i="0" kern="1200" smtClean="0">
+              <a:rPr lang="zh-CN" altLang="en-US" sz="1200" b="0" i="0" kern="1200" dirty="0" smtClean="0">
                 <a:solidFill>
                   <a:schemeClr val="tx1"/>
                 </a:solidFill>
@@ -1336,7 +1795,7 @@
               </a:rPr>
               <a:t>多写：写不同的地方</a:t>
             </a:r>
-            <a:endParaRPr lang="en-US" altLang="zh-CN" sz="1200" b="0" i="0" kern="1200" smtClean="0">
+            <a:endParaRPr lang="en-US" altLang="zh-CN" sz="1200" b="0" i="0" kern="1200" dirty="0" smtClean="0">
               <a:solidFill>
                 <a:schemeClr val="tx1"/>
               </a:solidFill>
@@ -1347,7 +1806,7 @@
             </a:endParaRPr>
           </a:p>
           <a:p>
-            <a:endParaRPr lang="en-US" altLang="zh-CN" sz="1200" b="0" i="0" kern="1200" smtClean="0">
+            <a:endParaRPr lang="en-US" altLang="zh-CN" sz="1200" b="0" i="0" kern="1200" dirty="0" smtClean="0">
               <a:solidFill>
                 <a:schemeClr val="tx1"/>
               </a:solidFill>
@@ -1359,7 +1818,7 @@
           </a:p>
           <a:p>
             <a:r>
-              <a:rPr lang="en-US" altLang="zh-CN" sz="1200" b="0" i="0" kern="1200" smtClean="0">
+              <a:rPr lang="en-US" altLang="zh-CN" sz="1200" b="0" i="0" kern="1200" dirty="0" smtClean="0">
                 <a:solidFill>
                   <a:schemeClr val="tx1"/>
                 </a:solidFill>
@@ -1371,7 +1830,7 @@
               <a:t>UNIX</a:t>
             </a:r>
             <a:r>
-              <a:rPr lang="zh-CN" altLang="en-US" sz="1200" b="0" i="0" kern="1200" smtClean="0">
+              <a:rPr lang="zh-CN" altLang="en-US" sz="1200" b="0" i="0" kern="1200" dirty="0" smtClean="0">
                 <a:solidFill>
                   <a:schemeClr val="tx1"/>
                 </a:solidFill>
@@ -1383,7 +1842,7 @@
               <a:t>网络编程 卷</a:t>
             </a:r>
             <a:r>
-              <a:rPr lang="en-US" altLang="zh-CN" sz="1200" b="0" i="0" kern="1200" smtClean="0">
+              <a:rPr lang="en-US" altLang="zh-CN" sz="1200" b="0" i="0" kern="1200" dirty="0" smtClean="0">
                 <a:solidFill>
                   <a:schemeClr val="tx1"/>
                 </a:solidFill>
@@ -1395,7 +1854,7 @@
               <a:t>2</a:t>
             </a:r>
             <a:r>
-              <a:rPr lang="zh-CN" altLang="en-US" sz="1200" b="0" i="0" kern="1200" smtClean="0">
+              <a:rPr lang="zh-CN" altLang="en-US" sz="1200" b="0" i="0" kern="1200" dirty="0" smtClean="0">
                 <a:solidFill>
                   <a:schemeClr val="tx1"/>
                 </a:solidFill>
@@ -1406,7 +1865,7 @@
               </a:rPr>
               <a:t>：进程间通</a:t>
             </a:r>
-            <a:endParaRPr lang="en-US" altLang="zh-CN" sz="1200" b="0" i="0" kern="1200" smtClean="0">
+            <a:endParaRPr lang="en-US" altLang="zh-CN" sz="1200" b="0" i="0" kern="1200" dirty="0" smtClean="0">
               <a:solidFill>
                 <a:schemeClr val="tx1"/>
               </a:solidFill>
@@ -1417,7 +1876,7 @@
             </a:endParaRPr>
           </a:p>
           <a:p>
-            <a:endParaRPr lang="en-US" altLang="zh-CN" sz="1200" b="0" i="0" kern="1200" smtClean="0">
+            <a:endParaRPr lang="en-US" altLang="zh-CN" sz="1200" b="0" i="0" kern="1200" dirty="0" smtClean="0">
               <a:solidFill>
                 <a:schemeClr val="tx1"/>
               </a:solidFill>
@@ -1429,7 +1888,7 @@
           </a:p>
           <a:p>
             <a:r>
-              <a:rPr lang="en-US" altLang="zh-CN" sz="1200" b="0" i="0" kern="1200" smtClean="0">
+              <a:rPr lang="en-US" altLang="zh-CN" sz="1200" b="0" i="0" kern="1200" dirty="0" smtClean="0">
                 <a:solidFill>
                   <a:schemeClr val="tx1"/>
                 </a:solidFill>
@@ -1441,7 +1900,7 @@
               <a:t>UNIX</a:t>
             </a:r>
             <a:r>
-              <a:rPr lang="zh-CN" altLang="en-US" sz="1200" b="0" i="0" kern="1200" smtClean="0">
+              <a:rPr lang="zh-CN" altLang="en-US" sz="1200" b="0" i="0" kern="1200" dirty="0" smtClean="0">
                 <a:solidFill>
                   <a:schemeClr val="tx1"/>
                 </a:solidFill>
@@ -1453,7 +1912,7 @@
               <a:t>网络编程第二卷：进程间通信，作者：</a:t>
             </a:r>
             <a:r>
-              <a:rPr lang="en-US" altLang="zh-CN" sz="1200" b="0" i="0" kern="1200" smtClean="0">
+              <a:rPr lang="en-US" altLang="zh-CN" sz="1200" b="0" i="0" kern="1200" dirty="0" err="1" smtClean="0">
                 <a:solidFill>
                   <a:schemeClr val="tx1"/>
                 </a:solidFill>
@@ -1462,10 +1921,10 @@
                 <a:ea typeface="+mn-ea"/>
                 <a:cs typeface="+mn-cs"/>
               </a:rPr>
-              <a:t>W.Richard Stevens</a:t>
-            </a:r>
-            <a:r>
-              <a:rPr lang="zh-CN" altLang="en-US" sz="1200" b="0" i="0" kern="1200" smtClean="0">
+              <a:t>W.Richard</a:t>
+            </a:r>
+            <a:r>
+              <a:rPr lang="en-US" altLang="zh-CN" sz="1200" b="0" i="0" kern="1200" dirty="0" smtClean="0">
                 <a:solidFill>
                   <a:schemeClr val="tx1"/>
                 </a:solidFill>
@@ -1474,9 +1933,21 @@
                 <a:ea typeface="+mn-ea"/>
                 <a:cs typeface="+mn-cs"/>
               </a:rPr>
+              <a:t> Stevens</a:t>
+            </a:r>
+            <a:r>
+              <a:rPr lang="zh-CN" altLang="en-US" sz="1200" b="0" i="0" kern="1200" dirty="0" smtClean="0">
+                <a:solidFill>
+                  <a:schemeClr val="tx1"/>
+                </a:solidFill>
+                <a:effectLst/>
+                <a:latin typeface="+mn-lt"/>
+                <a:ea typeface="+mn-ea"/>
+                <a:cs typeface="+mn-cs"/>
+              </a:rPr>
               <a:t>，译者：杨继张，清华大学出版社</a:t>
             </a:r>
-            <a:endParaRPr lang="en-US" altLang="zh-CN" sz="1200" b="0" i="0" kern="1200" smtClean="0">
+            <a:endParaRPr lang="en-US" altLang="zh-CN" sz="1200" b="0" i="0" kern="1200" dirty="0" smtClean="0">
               <a:solidFill>
                 <a:schemeClr val="tx1"/>
               </a:solidFill>
@@ -1488,7 +1959,7 @@
           </a:p>
           <a:p>
             <a:r>
-              <a:rPr lang="zh-CN" altLang="en-US" sz="1200" b="0" i="0" kern="1200" smtClean="0">
+              <a:rPr lang="zh-CN" altLang="en-US" sz="1200" b="0" i="0" kern="1200" dirty="0" smtClean="0">
                 <a:solidFill>
                   <a:schemeClr val="tx1"/>
                 </a:solidFill>
@@ -1500,7 +1971,7 @@
               <a:t>。一本比较全面阐述</a:t>
             </a:r>
             <a:r>
-              <a:rPr lang="en-US" altLang="zh-CN" sz="1200" b="0" i="0" kern="1200" smtClean="0">
+              <a:rPr lang="en-US" altLang="zh-CN" sz="1200" b="0" i="0" kern="1200" dirty="0" smtClean="0">
                 <a:solidFill>
                   <a:schemeClr val="tx1"/>
                 </a:solidFill>
@@ -1512,7 +1983,7 @@
               <a:t>Unix</a:t>
             </a:r>
             <a:r>
-              <a:rPr lang="zh-CN" altLang="en-US" sz="1200" b="0" i="0" kern="1200" smtClean="0">
+              <a:rPr lang="zh-CN" altLang="en-US" sz="1200" b="0" i="0" kern="1200" dirty="0" smtClean="0">
                 <a:solidFill>
                   <a:schemeClr val="tx1"/>
                 </a:solidFill>
@@ -1523,7 +1994,7 @@
               </a:rPr>
               <a:t>环境下进程间通信的书</a:t>
             </a:r>
-            <a:endParaRPr lang="en-US" altLang="zh-CN" sz="1200" b="0" i="0" kern="1200" smtClean="0">
+            <a:endParaRPr lang="en-US" altLang="zh-CN" sz="1200" b="0" i="0" kern="1200" dirty="0" smtClean="0">
               <a:solidFill>
                 <a:schemeClr val="tx1"/>
               </a:solidFill>
@@ -1535,7 +2006,7 @@
           </a:p>
           <a:p>
             <a:r>
-              <a:rPr lang="zh-CN" altLang="en-US" sz="1200" b="0" i="0" kern="1200" smtClean="0">
+              <a:rPr lang="zh-CN" altLang="en-US" sz="1200" b="0" i="0" kern="1200" dirty="0" smtClean="0">
                 <a:solidFill>
                   <a:schemeClr val="tx1"/>
                 </a:solidFill>
@@ -1546,7 +2017,7 @@
               </a:rPr>
               <a:t>（没有信号和套接口，套接口在第一卷中）。</a:t>
             </a:r>
-            <a:endParaRPr lang="zh-CN" altLang="en-US"/>
+            <a:endParaRPr lang="zh-CN" altLang="en-US" dirty="0"/>
           </a:p>
         </p:txBody>
       </p:sp>
@@ -1577,7 +2048,7 @@
     </p:spTree>
     <p:extLst>
       <p:ext uri="{BB962C8B-B14F-4D97-AF65-F5344CB8AC3E}">
-        <p14:creationId xmlns:p14="http://schemas.microsoft.com/office/powerpoint/2010/main" val="347096014"/>
+        <p14:creationId xmlns:p14="http://schemas.microsoft.com/office/powerpoint/2010/main" xmlns="" val="347096014"/>
       </p:ext>
     </p:extLst>
   </p:cSld>
@@ -1632,18 +2103,18 @@
           <a:lstStyle/>
           <a:p>
             <a:r>
-              <a:rPr lang="en-US" altLang="zh-CN" smtClean="0">
+              <a:rPr lang="en-US" altLang="zh-CN" dirty="0" smtClean="0">
                 <a:hlinkClick r:id="rId3"/>
               </a:rPr>
               <a:t>https://www.zfl9.com/c-ipc-shm.html</a:t>
             </a:r>
-            <a:endParaRPr lang="en-US" altLang="zh-CN" smtClean="0">
+            <a:endParaRPr lang="en-US" altLang="zh-CN" dirty="0" smtClean="0">
               <a:hlinkClick r:id="rId4"/>
             </a:endParaRPr>
           </a:p>
           <a:p>
             <a:r>
-              <a:rPr lang="en-US" altLang="zh-CN" smtClean="0">
+              <a:rPr lang="en-US" altLang="zh-CN" dirty="0" smtClean="0">
                 <a:hlinkClick r:id="rId4"/>
               </a:rPr>
               <a:t>POSIX</a:t>
@@ -1651,93 +2122,82 @@
           </a:p>
           <a:p>
             <a:r>
-              <a:rPr lang="zh-CN" altLang="en-US" smtClean="0">
+              <a:rPr lang="zh-CN" altLang="en-US" dirty="0" smtClean="0">
                 <a:hlinkClick r:id="rId4"/>
               </a:rPr>
               <a:t>‘</a:t>
             </a:r>
             <a:r>
-              <a:rPr lang="en-US" altLang="zh-CN" smtClean="0">
+              <a:rPr lang="en-US" altLang="zh-CN" dirty="0" smtClean="0">
                 <a:hlinkClick r:id="rId4"/>
               </a:rPr>
               <a:t>https://www.ibm.com/developerworks/cn/java/j-lo-apachethrift/index.html</a:t>
             </a:r>
-            <a:endParaRPr lang="en-US" altLang="zh-CN" smtClean="0">
+            <a:endParaRPr lang="en-US" altLang="zh-CN" dirty="0" smtClean="0">
               <a:hlinkClick r:id="rId5"/>
             </a:endParaRPr>
           </a:p>
           <a:p>
             <a:r>
-              <a:rPr lang="en-US" altLang="zh-CN" smtClean="0">
+              <a:rPr lang="en-US" altLang="zh-CN" dirty="0" smtClean="0">
                 <a:hlinkClick r:id="rId5"/>
               </a:rPr>
               <a:t>https://timyang.net/tag/thrift/</a:t>
             </a:r>
-            <a:endParaRPr lang="en-US" altLang="zh-CN" smtClean="0">
+            <a:endParaRPr lang="en-US" altLang="zh-CN" dirty="0" smtClean="0">
               <a:hlinkClick r:id="rId6"/>
             </a:endParaRPr>
           </a:p>
           <a:p>
             <a:r>
-              <a:rPr lang="en-US" altLang="zh-CN" smtClean="0">
+              <a:rPr lang="en-US" altLang="zh-CN" dirty="0" smtClean="0">
                 <a:hlinkClick r:id="rId6"/>
               </a:rPr>
               <a:t>https://yifei.me/note/549/</a:t>
             </a:r>
-            <a:endParaRPr lang="en-US" altLang="zh-CN" smtClean="0">
+            <a:endParaRPr lang="en-US" altLang="zh-CN" dirty="0" smtClean="0">
               <a:hlinkClick r:id="rId7"/>
             </a:endParaRPr>
           </a:p>
           <a:p>
             <a:r>
-              <a:rPr lang="en-US" altLang="zh-CN" smtClean="0">
+              <a:rPr lang="en-US" altLang="zh-CN" dirty="0" smtClean="0">
                 <a:hlinkClick r:id="rId7"/>
               </a:rPr>
               <a:t>https://cloud.tencent.com/developer/article/1133071</a:t>
             </a:r>
-            <a:endParaRPr lang="en-US" altLang="zh-CN" smtClean="0">
+            <a:endParaRPr lang="en-US" altLang="zh-CN" dirty="0" smtClean="0">
               <a:hlinkClick r:id="rId8"/>
             </a:endParaRPr>
           </a:p>
           <a:p>
             <a:r>
-              <a:rPr lang="en-US" altLang="zh-CN" smtClean="0">
-                <a:hlinkClick r:id="rId8"/>
+              <a:rPr lang="en-US" altLang="zh-CN" dirty="0" smtClean="0">
+                <a:hlinkClick r:id="rId9"/>
               </a:rPr>
               <a:t>https</a:t>
             </a:r>
             <a:r>
-              <a:rPr lang="en-US" altLang="zh-CN" smtClean="0">
-                <a:hlinkClick r:id="rId8"/>
-              </a:rPr>
-              <a:t>://cloud.tencent.com/developer/article/1051853</a:t>
-            </a:r>
-            <a:endParaRPr lang="en-US" altLang="zh-CN" smtClean="0">
-              <a:hlinkClick r:id="rId9"/>
-            </a:endParaRPr>
-          </a:p>
-          <a:p>
-            <a:r>
-              <a:rPr lang="en-US" altLang="zh-CN" smtClean="0">
+              <a:rPr lang="en-US" altLang="zh-CN" dirty="0" smtClean="0">
                 <a:hlinkClick r:id="rId9"/>
               </a:rPr>
-              <a:t>https://www.nowcoder.com/discuss/369353?type=all&amp;order=time&amp;pos=&amp;page=1</a:t>
-            </a:r>
-            <a:endParaRPr lang="en-US" altLang="zh-CN" smtClean="0">
+              <a:t>://www.nowcoder.com/discuss/369353?type=all&amp;order=time&amp;pos=&amp;page=1</a:t>
+            </a:r>
+            <a:endParaRPr lang="en-US" altLang="zh-CN" dirty="0" smtClean="0">
               <a:hlinkClick r:id="rId10"/>
             </a:endParaRPr>
           </a:p>
           <a:p>
             <a:r>
-              <a:rPr lang="en-US" altLang="zh-CN" smtClean="0">
+              <a:rPr lang="en-US" altLang="zh-CN" dirty="0" smtClean="0">
                 <a:hlinkClick r:id="rId10"/>
               </a:rPr>
               <a:t>https://www.nowcoder.com/questionTerminal/efe4df8ee83847f3bed36688ad71580a</a:t>
             </a:r>
-            <a:endParaRPr lang="en-US" altLang="zh-CN" smtClean="0"/>
-          </a:p>
-          <a:p>
-            <a:endParaRPr lang="en-US" altLang="zh-CN" sz="1200" b="0" i="0" kern="1200" smtClean="0">
+            <a:endParaRPr lang="en-US" altLang="zh-CN" dirty="0" smtClean="0"/>
+          </a:p>
+          <a:p>
+            <a:endParaRPr lang="en-US" altLang="zh-CN" sz="1200" b="0" i="0" kern="1200" dirty="0" smtClean="0">
               <a:solidFill>
                 <a:schemeClr val="tx1"/>
               </a:solidFill>
@@ -1748,7 +2208,7 @@
             </a:endParaRPr>
           </a:p>
           <a:p>
-            <a:endParaRPr lang="en-US" altLang="zh-CN" sz="1200" b="0" i="0" kern="1200" smtClean="0">
+            <a:endParaRPr lang="en-US" altLang="zh-CN" sz="1200" b="0" i="0" kern="1200" dirty="0" smtClean="0">
               <a:solidFill>
                 <a:schemeClr val="tx1"/>
               </a:solidFill>
@@ -1760,7 +2220,7 @@
           </a:p>
           <a:p>
             <a:r>
-              <a:rPr lang="zh-CN" altLang="en-US" sz="1200" b="0" i="0" kern="1200" smtClean="0">
+              <a:rPr lang="zh-CN" altLang="en-US" sz="1200" b="0" i="0" kern="1200" dirty="0" smtClean="0">
                 <a:solidFill>
                   <a:schemeClr val="tx1"/>
                 </a:solidFill>
@@ -1771,7 +2231,7 @@
               </a:rPr>
               <a:t>多写：写不同的地方</a:t>
             </a:r>
-            <a:endParaRPr lang="en-US" altLang="zh-CN" sz="1200" b="0" i="0" kern="1200" smtClean="0">
+            <a:endParaRPr lang="en-US" altLang="zh-CN" sz="1200" b="0" i="0" kern="1200" dirty="0" smtClean="0">
               <a:solidFill>
                 <a:schemeClr val="tx1"/>
               </a:solidFill>
@@ -1782,7 +2242,7 @@
             </a:endParaRPr>
           </a:p>
           <a:p>
-            <a:endParaRPr lang="en-US" altLang="zh-CN" sz="1200" b="0" i="0" kern="1200" smtClean="0">
+            <a:endParaRPr lang="en-US" altLang="zh-CN" sz="1200" b="0" i="0" kern="1200" dirty="0" smtClean="0">
               <a:solidFill>
                 <a:schemeClr val="tx1"/>
               </a:solidFill>
@@ -1794,7 +2254,7 @@
           </a:p>
           <a:p>
             <a:r>
-              <a:rPr lang="en-US" altLang="zh-CN" sz="1200" b="0" i="0" kern="1200" smtClean="0">
+              <a:rPr lang="en-US" altLang="zh-CN" sz="1200" b="0" i="0" kern="1200" dirty="0" smtClean="0">
                 <a:solidFill>
                   <a:schemeClr val="tx1"/>
                 </a:solidFill>
@@ -1806,7 +2266,7 @@
               <a:t>UNIX</a:t>
             </a:r>
             <a:r>
-              <a:rPr lang="zh-CN" altLang="en-US" sz="1200" b="0" i="0" kern="1200" smtClean="0">
+              <a:rPr lang="zh-CN" altLang="en-US" sz="1200" b="0" i="0" kern="1200" dirty="0" smtClean="0">
                 <a:solidFill>
                   <a:schemeClr val="tx1"/>
                 </a:solidFill>
@@ -1818,7 +2278,7 @@
               <a:t>网络编程 卷</a:t>
             </a:r>
             <a:r>
-              <a:rPr lang="en-US" altLang="zh-CN" sz="1200" b="0" i="0" kern="1200" smtClean="0">
+              <a:rPr lang="en-US" altLang="zh-CN" sz="1200" b="0" i="0" kern="1200" dirty="0" smtClean="0">
                 <a:solidFill>
                   <a:schemeClr val="tx1"/>
                 </a:solidFill>
@@ -1830,7 +2290,7 @@
               <a:t>2</a:t>
             </a:r>
             <a:r>
-              <a:rPr lang="zh-CN" altLang="en-US" sz="1200" b="0" i="0" kern="1200" smtClean="0">
+              <a:rPr lang="zh-CN" altLang="en-US" sz="1200" b="0" i="0" kern="1200" dirty="0" smtClean="0">
                 <a:solidFill>
                   <a:schemeClr val="tx1"/>
                 </a:solidFill>
@@ -1841,7 +2301,7 @@
               </a:rPr>
               <a:t>：进程间通</a:t>
             </a:r>
-            <a:endParaRPr lang="en-US" altLang="zh-CN" sz="1200" b="0" i="0" kern="1200" smtClean="0">
+            <a:endParaRPr lang="en-US" altLang="zh-CN" sz="1200" b="0" i="0" kern="1200" dirty="0" smtClean="0">
               <a:solidFill>
                 <a:schemeClr val="tx1"/>
               </a:solidFill>
@@ -1852,7 +2312,7 @@
             </a:endParaRPr>
           </a:p>
           <a:p>
-            <a:endParaRPr lang="en-US" altLang="zh-CN" sz="1200" b="0" i="0" kern="1200" smtClean="0">
+            <a:endParaRPr lang="en-US" altLang="zh-CN" sz="1200" b="0" i="0" kern="1200" dirty="0" smtClean="0">
               <a:solidFill>
                 <a:schemeClr val="tx1"/>
               </a:solidFill>
@@ -1864,7 +2324,7 @@
           </a:p>
           <a:p>
             <a:r>
-              <a:rPr lang="en-US" altLang="zh-CN" sz="1200" b="0" i="0" kern="1200" smtClean="0">
+              <a:rPr lang="en-US" altLang="zh-CN" sz="1200" b="0" i="0" kern="1200" dirty="0" smtClean="0">
                 <a:solidFill>
                   <a:schemeClr val="tx1"/>
                 </a:solidFill>
@@ -1876,7 +2336,7 @@
               <a:t>UNIX</a:t>
             </a:r>
             <a:r>
-              <a:rPr lang="zh-CN" altLang="en-US" sz="1200" b="0" i="0" kern="1200" smtClean="0">
+              <a:rPr lang="zh-CN" altLang="en-US" sz="1200" b="0" i="0" kern="1200" dirty="0" smtClean="0">
                 <a:solidFill>
                   <a:schemeClr val="tx1"/>
                 </a:solidFill>
@@ -1888,7 +2348,7 @@
               <a:t>网络编程第二卷：进程间通信，作者：</a:t>
             </a:r>
             <a:r>
-              <a:rPr lang="en-US" altLang="zh-CN" sz="1200" b="0" i="0" kern="1200" smtClean="0">
+              <a:rPr lang="en-US" altLang="zh-CN" sz="1200" b="0" i="0" kern="1200" dirty="0" err="1" smtClean="0">
                 <a:solidFill>
                   <a:schemeClr val="tx1"/>
                 </a:solidFill>
@@ -1897,10 +2357,10 @@
                 <a:ea typeface="+mn-ea"/>
                 <a:cs typeface="+mn-cs"/>
               </a:rPr>
-              <a:t>W.Richard Stevens</a:t>
-            </a:r>
-            <a:r>
-              <a:rPr lang="zh-CN" altLang="en-US" sz="1200" b="0" i="0" kern="1200" smtClean="0">
+              <a:t>W.Richard</a:t>
+            </a:r>
+            <a:r>
+              <a:rPr lang="en-US" altLang="zh-CN" sz="1200" b="0" i="0" kern="1200" dirty="0" smtClean="0">
                 <a:solidFill>
                   <a:schemeClr val="tx1"/>
                 </a:solidFill>
@@ -1909,9 +2369,21 @@
                 <a:ea typeface="+mn-ea"/>
                 <a:cs typeface="+mn-cs"/>
               </a:rPr>
+              <a:t> Stevens</a:t>
+            </a:r>
+            <a:r>
+              <a:rPr lang="zh-CN" altLang="en-US" sz="1200" b="0" i="0" kern="1200" dirty="0" smtClean="0">
+                <a:solidFill>
+                  <a:schemeClr val="tx1"/>
+                </a:solidFill>
+                <a:effectLst/>
+                <a:latin typeface="+mn-lt"/>
+                <a:ea typeface="+mn-ea"/>
+                <a:cs typeface="+mn-cs"/>
+              </a:rPr>
               <a:t>，译者：杨继张，清华大学出版社</a:t>
             </a:r>
-            <a:endParaRPr lang="en-US" altLang="zh-CN" sz="1200" b="0" i="0" kern="1200" smtClean="0">
+            <a:endParaRPr lang="en-US" altLang="zh-CN" sz="1200" b="0" i="0" kern="1200" dirty="0" smtClean="0">
               <a:solidFill>
                 <a:schemeClr val="tx1"/>
               </a:solidFill>
@@ -1923,7 +2395,7 @@
           </a:p>
           <a:p>
             <a:r>
-              <a:rPr lang="zh-CN" altLang="en-US" sz="1200" b="0" i="0" kern="1200" smtClean="0">
+              <a:rPr lang="zh-CN" altLang="en-US" sz="1200" b="0" i="0" kern="1200" dirty="0" smtClean="0">
                 <a:solidFill>
                   <a:schemeClr val="tx1"/>
                 </a:solidFill>
@@ -1935,7 +2407,7 @@
               <a:t>。一本比较全面阐述</a:t>
             </a:r>
             <a:r>
-              <a:rPr lang="en-US" altLang="zh-CN" sz="1200" b="0" i="0" kern="1200" smtClean="0">
+              <a:rPr lang="en-US" altLang="zh-CN" sz="1200" b="0" i="0" kern="1200" dirty="0" smtClean="0">
                 <a:solidFill>
                   <a:schemeClr val="tx1"/>
                 </a:solidFill>
@@ -1947,7 +2419,7 @@
               <a:t>Unix</a:t>
             </a:r>
             <a:r>
-              <a:rPr lang="zh-CN" altLang="en-US" sz="1200" b="0" i="0" kern="1200" smtClean="0">
+              <a:rPr lang="zh-CN" altLang="en-US" sz="1200" b="0" i="0" kern="1200" dirty="0" smtClean="0">
                 <a:solidFill>
                   <a:schemeClr val="tx1"/>
                 </a:solidFill>
@@ -1958,7 +2430,7 @@
               </a:rPr>
               <a:t>环境下进程间通信的书</a:t>
             </a:r>
-            <a:endParaRPr lang="en-US" altLang="zh-CN" sz="1200" b="0" i="0" kern="1200" smtClean="0">
+            <a:endParaRPr lang="en-US" altLang="zh-CN" sz="1200" b="0" i="0" kern="1200" dirty="0" smtClean="0">
               <a:solidFill>
                 <a:schemeClr val="tx1"/>
               </a:solidFill>
@@ -1970,7 +2442,7 @@
           </a:p>
           <a:p>
             <a:r>
-              <a:rPr lang="zh-CN" altLang="en-US" sz="1200" b="0" i="0" kern="1200" smtClean="0">
+              <a:rPr lang="zh-CN" altLang="en-US" sz="1200" b="0" i="0" kern="1200" dirty="0" smtClean="0">
                 <a:solidFill>
                   <a:schemeClr val="tx1"/>
                 </a:solidFill>
@@ -1981,7 +2453,7 @@
               </a:rPr>
               <a:t>（没有信号和套接口，套接口在第一卷中）。</a:t>
             </a:r>
-            <a:endParaRPr lang="zh-CN" altLang="en-US"/>
+            <a:endParaRPr lang="zh-CN" altLang="en-US" dirty="0"/>
           </a:p>
         </p:txBody>
       </p:sp>
@@ -2012,7 +2484,7 @@
     </p:spTree>
     <p:extLst>
       <p:ext uri="{BB962C8B-B14F-4D97-AF65-F5344CB8AC3E}">
-        <p14:creationId xmlns:p14="http://schemas.microsoft.com/office/powerpoint/2010/main" val="347096014"/>
+        <p14:creationId xmlns:p14="http://schemas.microsoft.com/office/powerpoint/2010/main" xmlns="" val="347096014"/>
       </p:ext>
     </p:extLst>
   </p:cSld>
@@ -2103,7 +2575,98 @@
     </p:spTree>
     <p:extLst>
       <p:ext uri="{BB962C8B-B14F-4D97-AF65-F5344CB8AC3E}">
-        <p14:creationId xmlns:p14="http://schemas.microsoft.com/office/powerpoint/2010/main" val="855118000"/>
+        <p14:creationId xmlns:p14="http://schemas.microsoft.com/office/powerpoint/2010/main" xmlns="" val="855118000"/>
+      </p:ext>
+    </p:extLst>
+  </p:cSld>
+  <p:clrMapOvr>
+    <a:masterClrMapping/>
+  </p:clrMapOvr>
+</p:notes>
+</file>
+
+<file path=ppt/notesSlides/notesSlide9.xml><?xml version="1.0" encoding="utf-8"?>
+<p:notes xmlns:a="http://schemas.openxmlformats.org/drawingml/2006/main" xmlns:r="http://schemas.openxmlformats.org/officeDocument/2006/relationships" xmlns:p="http://schemas.openxmlformats.org/presentationml/2006/main">
+  <p:cSld>
+    <p:spTree>
+      <p:nvGrpSpPr>
+        <p:cNvPr id="1" name=""/>
+        <p:cNvGrpSpPr/>
+        <p:nvPr/>
+      </p:nvGrpSpPr>
+      <p:grpSpPr>
+        <a:xfrm>
+          <a:off x="0" y="0"/>
+          <a:ext cx="0" cy="0"/>
+          <a:chOff x="0" y="0"/>
+          <a:chExt cx="0" cy="0"/>
+        </a:xfrm>
+      </p:grpSpPr>
+      <p:sp>
+        <p:nvSpPr>
+          <p:cNvPr id="2" name="幻灯片图像占位符 1"/>
+          <p:cNvSpPr>
+            <a:spLocks noGrp="1" noRot="1" noChangeAspect="1"/>
+          </p:cNvSpPr>
+          <p:nvPr>
+            <p:ph type="sldImg"/>
+          </p:nvPr>
+        </p:nvSpPr>
+        <p:spPr/>
+      </p:sp>
+      <p:sp>
+        <p:nvSpPr>
+          <p:cNvPr id="3" name="备注占位符 2"/>
+          <p:cNvSpPr>
+            <a:spLocks noGrp="1"/>
+          </p:cNvSpPr>
+          <p:nvPr>
+            <p:ph type="body" idx="1"/>
+          </p:nvPr>
+        </p:nvSpPr>
+        <p:spPr/>
+        <p:txBody>
+          <a:bodyPr/>
+          <a:lstStyle/>
+          <a:p>
+            <a:r>
+              <a:rPr lang="en-US" altLang="zh-CN" smtClean="0">
+                <a:hlinkClick r:id="rId3"/>
+              </a:rPr>
+              <a:t>https://www.infoq.cn/article/UiKyF*4zxplSrpWZ5km1</a:t>
+            </a:r>
+            <a:endParaRPr lang="zh-CN" altLang="en-US"/>
+          </a:p>
+        </p:txBody>
+      </p:sp>
+      <p:sp>
+        <p:nvSpPr>
+          <p:cNvPr id="4" name="灯片编号占位符 3"/>
+          <p:cNvSpPr>
+            <a:spLocks noGrp="1"/>
+          </p:cNvSpPr>
+          <p:nvPr>
+            <p:ph type="sldNum" sz="quarter" idx="10"/>
+          </p:nvPr>
+        </p:nvSpPr>
+        <p:spPr/>
+        <p:txBody>
+          <a:bodyPr/>
+          <a:lstStyle/>
+          <a:p>
+            <a:fld id="{8AF453D5-9B32-8F40-BF12-CF5772967439}" type="slidenum">
+              <a:rPr kumimoji="1" lang="zh-CN" altLang="en-US" smtClean="0"/>
+              <a:pPr/>
+              <a:t>13</a:t>
+            </a:fld>
+            <a:endParaRPr kumimoji="1" lang="zh-CN" altLang="en-US"/>
+          </a:p>
+        </p:txBody>
+      </p:sp>
+    </p:spTree>
+    <p:extLst>
+      <p:ext uri="{BB962C8B-B14F-4D97-AF65-F5344CB8AC3E}">
+        <p14:creationId xmlns:p14="http://schemas.microsoft.com/office/powerpoint/2010/main" xmlns="" val="855118000"/>
       </p:ext>
     </p:extLst>
   </p:cSld>
@@ -2142,7 +2705,7 @@
           <a:blip r:embed="rId2">
             <a:extLst>
               <a:ext uri="{28A0092B-C50C-407E-A947-70E740481C1C}">
-                <a14:useLocalDpi xmlns:a14="http://schemas.microsoft.com/office/drawing/2010/main" val="0"/>
+                <a14:useLocalDpi xmlns:a14="http://schemas.microsoft.com/office/drawing/2010/main" xmlns="" val="0"/>
               </a:ext>
             </a:extLst>
           </a:blip>
@@ -2431,7 +2994,7 @@
           <a:blip r:embed="rId3">
             <a:extLst>
               <a:ext uri="{28A0092B-C50C-407E-A947-70E740481C1C}">
-                <a14:useLocalDpi xmlns:a14="http://schemas.microsoft.com/office/drawing/2010/main" val="0"/>
+                <a14:useLocalDpi xmlns:a14="http://schemas.microsoft.com/office/drawing/2010/main" xmlns="" val="0"/>
               </a:ext>
             </a:extLst>
           </a:blip>
@@ -2727,7 +3290,7 @@
           <a:blip r:embed="rId2">
             <a:extLst>
               <a:ext uri="{28A0092B-C50C-407E-A947-70E740481C1C}">
-                <a14:useLocalDpi xmlns:a14="http://schemas.microsoft.com/office/drawing/2010/main" val="0"/>
+                <a14:useLocalDpi xmlns:a14="http://schemas.microsoft.com/office/drawing/2010/main" xmlns="" val="0"/>
               </a:ext>
             </a:extLst>
           </a:blip>
@@ -2757,7 +3320,7 @@
           <a:blip r:embed="rId3">
             <a:extLst>
               <a:ext uri="{28A0092B-C50C-407E-A947-70E740481C1C}">
-                <a14:useLocalDpi xmlns:a14="http://schemas.microsoft.com/office/drawing/2010/main" val="0"/>
+                <a14:useLocalDpi xmlns:a14="http://schemas.microsoft.com/office/drawing/2010/main" xmlns="" val="0"/>
               </a:ext>
             </a:extLst>
           </a:blip>
@@ -3029,7 +3592,7 @@
           <a:blip r:embed="rId2">
             <a:extLst>
               <a:ext uri="{28A0092B-C50C-407E-A947-70E740481C1C}">
-                <a14:useLocalDpi xmlns:a14="http://schemas.microsoft.com/office/drawing/2010/main" val="0"/>
+                <a14:useLocalDpi xmlns:a14="http://schemas.microsoft.com/office/drawing/2010/main" xmlns="" val="0"/>
               </a:ext>
             </a:extLst>
           </a:blip>
@@ -3059,7 +3622,7 @@
           <a:blip r:embed="rId3">
             <a:extLst>
               <a:ext uri="{28A0092B-C50C-407E-A947-70E740481C1C}">
-                <a14:useLocalDpi xmlns:a14="http://schemas.microsoft.com/office/drawing/2010/main" val="0"/>
+                <a14:useLocalDpi xmlns:a14="http://schemas.microsoft.com/office/drawing/2010/main" xmlns="" val="0"/>
               </a:ext>
             </a:extLst>
           </a:blip>
@@ -3395,7 +3958,7 @@
           <a:blip r:embed="rId2">
             <a:extLst>
               <a:ext uri="{28A0092B-C50C-407E-A947-70E740481C1C}">
-                <a14:useLocalDpi xmlns:a14="http://schemas.microsoft.com/office/drawing/2010/main" val="0"/>
+                <a14:useLocalDpi xmlns:a14="http://schemas.microsoft.com/office/drawing/2010/main" xmlns="" val="0"/>
               </a:ext>
             </a:extLst>
           </a:blip>
@@ -3425,7 +3988,7 @@
           <a:blip r:embed="rId3">
             <a:extLst>
               <a:ext uri="{28A0092B-C50C-407E-A947-70E740481C1C}">
-                <a14:useLocalDpi xmlns:a14="http://schemas.microsoft.com/office/drawing/2010/main" val="0"/>
+                <a14:useLocalDpi xmlns:a14="http://schemas.microsoft.com/office/drawing/2010/main" xmlns="" val="0"/>
               </a:ext>
             </a:extLst>
           </a:blip>
@@ -3740,7 +4303,7 @@
           <a:blip r:embed="rId2">
             <a:extLst>
               <a:ext uri="{28A0092B-C50C-407E-A947-70E740481C1C}">
-                <a14:useLocalDpi xmlns:a14="http://schemas.microsoft.com/office/drawing/2010/main" val="0"/>
+                <a14:useLocalDpi xmlns:a14="http://schemas.microsoft.com/office/drawing/2010/main" xmlns="" val="0"/>
               </a:ext>
             </a:extLst>
           </a:blip>
@@ -3770,7 +4333,7 @@
           <a:blip r:embed="rId3">
             <a:extLst>
               <a:ext uri="{28A0092B-C50C-407E-A947-70E740481C1C}">
-                <a14:useLocalDpi xmlns:a14="http://schemas.microsoft.com/office/drawing/2010/main" val="0"/>
+                <a14:useLocalDpi xmlns:a14="http://schemas.microsoft.com/office/drawing/2010/main" xmlns="" val="0"/>
               </a:ext>
             </a:extLst>
           </a:blip>
@@ -3962,7 +4525,7 @@
             <a:fld id="{7BC3C6E0-25AE-8A44-A617-CADD813DE539}" type="datetime1">
               <a:rPr lang="zh-CN" altLang="en-US" smtClean="0"/>
               <a:pPr/>
-              <a:t>2020/3/5</a:t>
+              <a:t>2020/3/12</a:t>
             </a:fld>
             <a:endParaRPr lang="zh-CN" altLang="en-US" dirty="0"/>
           </a:p>
@@ -4186,7 +4749,7 @@
           <a:blip r:embed="rId2">
             <a:extLst>
               <a:ext uri="{28A0092B-C50C-407E-A947-70E740481C1C}">
-                <a14:useLocalDpi xmlns:a14="http://schemas.microsoft.com/office/drawing/2010/main" val="0"/>
+                <a14:useLocalDpi xmlns:a14="http://schemas.microsoft.com/office/drawing/2010/main" xmlns="" val="0"/>
               </a:ext>
             </a:extLst>
           </a:blip>
@@ -4372,7 +4935,7 @@
             <a:fld id="{B8DE94C4-0AC0-E74D-83DE-D1778C094258}" type="datetime1">
               <a:rPr lang="zh-CN" altLang="en-US" smtClean="0"/>
               <a:pPr/>
-              <a:t>2020/3/5</a:t>
+              <a:t>2020/3/12</a:t>
             </a:fld>
             <a:endParaRPr lang="zh-CN" altLang="en-US" dirty="0"/>
           </a:p>
@@ -4959,11 +5522,11 @@
   <p:clrMapOvr>
     <a:masterClrMapping/>
   </p:clrMapOvr>
-  <mc:AlternateContent xmlns:mc="http://schemas.openxmlformats.org/markup-compatibility/2006" xmlns:p14="http://schemas.microsoft.com/office/powerpoint/2010/main">
-    <mc:Choice Requires="p14">
+  <mc:AlternateContent xmlns:mc="http://schemas.openxmlformats.org/markup-compatibility/2006">
+    <mc:Choice xmlns:p14="http://schemas.microsoft.com/office/powerpoint/2010/main" xmlns="" Requires="p14">
       <p:transition spd="slow" p14:dur="2000"/>
     </mc:Choice>
-    <mc:Fallback xmlns="">
+    <mc:Fallback>
       <p:transition spd="slow"/>
     </mc:Fallback>
   </mc:AlternateContent>
@@ -5017,18 +5580,14 @@
             </a:pPr>
             <a:r>
               <a:rPr lang="zh-CN" altLang="en-US" b="1" dirty="0"/>
-              <a:t>进程间</a:t>
-            </a:r>
-            <a:r>
-              <a:rPr lang="zh-CN" altLang="en-US" b="1"/>
-              <a:t>通</a:t>
-            </a:r>
-            <a:r>
-              <a:rPr lang="zh-CN" altLang="en-US" b="1" smtClean="0"/>
+              <a:t>进程间通</a:t>
+            </a:r>
+            <a:r>
+              <a:rPr lang="zh-CN" altLang="en-US" b="1" dirty="0" smtClean="0"/>
               <a:t>信</a:t>
             </a:r>
             <a:r>
-              <a:rPr lang="en-US" altLang="zh-CN" b="1" smtClean="0"/>
+              <a:rPr lang="en-US" altLang="zh-CN" b="1" dirty="0" smtClean="0"/>
               <a:t>(</a:t>
             </a:r>
             <a:r>
@@ -5036,82 +5595,82 @@
               <a:t>inter-process communication</a:t>
             </a:r>
             <a:r>
-              <a:rPr lang="en-US" altLang="zh-CN" b="1" smtClean="0"/>
+              <a:rPr lang="en-US" altLang="zh-CN" b="1" dirty="0" smtClean="0"/>
               <a:t>)</a:t>
             </a:r>
             <a:r>
-              <a:rPr lang="zh-CN" altLang="en-US" b="1" smtClean="0"/>
+              <a:rPr lang="zh-CN" altLang="en-US" b="1" dirty="0" smtClean="0"/>
               <a:t>的有几种</a:t>
             </a:r>
             <a:r>
-              <a:rPr lang="zh-CN" altLang="en-US" b="1"/>
+              <a:rPr lang="zh-CN" altLang="en-US" b="1" dirty="0"/>
               <a:t>方</a:t>
             </a:r>
             <a:r>
-              <a:rPr lang="zh-CN" altLang="en-US" b="1" smtClean="0"/>
+              <a:rPr lang="zh-CN" altLang="en-US" b="1" dirty="0" smtClean="0"/>
               <a:t>式？</a:t>
             </a:r>
-            <a:endParaRPr lang="en-US" altLang="zh-CN" b="1" smtClean="0"/>
+            <a:endParaRPr lang="en-US" altLang="zh-CN" b="1" dirty="0" smtClean="0"/>
           </a:p>
           <a:p>
             <a:pPr marL="0" indent="0">
               <a:buNone/>
             </a:pPr>
             <a:r>
-              <a:rPr lang="zh-CN" altLang="en-US" sz="1100" b="1" smtClean="0"/>
+              <a:rPr lang="zh-CN" altLang="en-US" sz="1100" b="1" dirty="0" smtClean="0"/>
               <a:t>    </a:t>
             </a:r>
-            <a:endParaRPr lang="en-US" altLang="zh-CN" sz="1100"/>
+            <a:endParaRPr lang="en-US" altLang="zh-CN" sz="1100" dirty="0"/>
           </a:p>
           <a:p>
             <a:pPr marL="0" indent="0">
               <a:buNone/>
             </a:pPr>
             <a:r>
-              <a:rPr lang="en-US" altLang="zh-CN" b="1" smtClean="0"/>
+              <a:rPr lang="en-US" altLang="zh-CN" b="1" dirty="0" smtClean="0"/>
               <a:t> </a:t>
             </a:r>
-            <a:endParaRPr lang="en-US" altLang="zh-CN" b="1"/>
+            <a:endParaRPr lang="en-US" altLang="zh-CN" b="1" dirty="0"/>
           </a:p>
           <a:p>
             <a:pPr marL="0" indent="0">
               <a:buNone/>
             </a:pPr>
             <a:r>
-              <a:rPr lang="en-US" altLang="zh-CN" b="1" smtClean="0"/>
+              <a:rPr lang="en-US" altLang="zh-CN" b="1" dirty="0" smtClean="0"/>
               <a:t>2. </a:t>
             </a:r>
             <a:r>
-              <a:rPr lang="zh-CN" altLang="en-US" b="1" smtClean="0"/>
+              <a:rPr lang="zh-CN" altLang="en-US" b="1" dirty="0" smtClean="0"/>
               <a:t>共享内存如何加载的</a:t>
             </a:r>
-            <a:endParaRPr lang="en-US" altLang="zh-CN" b="1" smtClean="0"/>
+            <a:endParaRPr lang="en-US" altLang="zh-CN" b="1" dirty="0" smtClean="0"/>
           </a:p>
           <a:p>
             <a:pPr>
               <a:buFontTx/>
               <a:buChar char="-"/>
             </a:pPr>
-            <a:endParaRPr lang="en-US" altLang="zh-CN" b="1" smtClean="0"/>
+            <a:endParaRPr lang="en-US" altLang="zh-CN" b="1" dirty="0" smtClean="0"/>
           </a:p>
           <a:p>
             <a:pPr marL="0" indent="0">
               <a:buNone/>
             </a:pPr>
             <a:r>
-              <a:rPr lang="en-US" altLang="zh-CN" b="1" smtClean="0"/>
+              <a:rPr lang="en-US" altLang="zh-CN" b="1" dirty="0" smtClean="0"/>
               <a:t>3. </a:t>
             </a:r>
             <a:r>
-              <a:rPr lang="zh-CN" altLang="en-US" b="1" smtClean="0"/>
+              <a:rPr lang="zh-CN" altLang="en-US" b="1" dirty="0" smtClean="0"/>
               <a:t>如何同步的</a:t>
             </a:r>
             <a:r>
-              <a:rPr lang="en-US" altLang="zh-CN" b="1" smtClean="0"/>
+              <a:rPr lang="en-US" altLang="zh-CN" b="1" dirty="0" smtClean="0"/>
               <a:t>(</a:t>
             </a:r>
             <a:r>
-              <a:rPr lang="zh-CN" altLang="en-US" b="1">
+              <a:rPr lang="zh-CN" altLang="en-US" b="1" dirty="0">
                 <a:solidFill>
                   <a:srgbClr val="FF0000"/>
                 </a:solidFill>
@@ -5119,7 +5678,7 @@
               <a:t>进</a:t>
             </a:r>
             <a:r>
-              <a:rPr lang="zh-CN" altLang="en-US" b="1" smtClean="0">
+              <a:rPr lang="zh-CN" altLang="en-US" b="1" dirty="0" smtClean="0">
                 <a:solidFill>
                   <a:srgbClr val="FF0000"/>
                 </a:solidFill>
@@ -5127,7 +5686,7 @@
               <a:t>程间，线程间</a:t>
             </a:r>
             <a:r>
-              <a:rPr lang="en-US" altLang="zh-CN" b="1" smtClean="0"/>
+              <a:rPr lang="en-US" altLang="zh-CN" b="1" dirty="0" smtClean="0"/>
               <a:t>)</a:t>
             </a:r>
           </a:p>
@@ -5135,7 +5694,7 @@
             <a:pPr marL="0" indent="0">
               <a:buNone/>
             </a:pPr>
-            <a:endParaRPr lang="en-US" altLang="zh-CN" b="1">
+            <a:endParaRPr lang="en-US" altLang="zh-CN" b="1" dirty="0">
               <a:solidFill>
                 <a:srgbClr val="FF0000"/>
               </a:solidFill>
@@ -5146,7 +5705,7 @@
               <a:buNone/>
             </a:pPr>
             <a:r>
-              <a:rPr lang="en-US" altLang="zh-CN" b="1" smtClean="0">
+              <a:rPr lang="en-US" altLang="zh-CN" b="1" dirty="0" smtClean="0">
                 <a:solidFill>
                   <a:srgbClr val="FF0000"/>
                 </a:solidFill>
@@ -5154,7 +5713,7 @@
               <a:t>4 </a:t>
             </a:r>
             <a:r>
-              <a:rPr lang="zh-CN" altLang="en-US" b="1" smtClean="0">
+              <a:rPr lang="zh-CN" altLang="en-US" b="1" dirty="0" smtClean="0">
                 <a:solidFill>
                   <a:srgbClr val="FF0000"/>
                 </a:solidFill>
@@ -5162,7 +5721,7 @@
               <a:t>在写代码中能够 遇到过死锁吗</a:t>
             </a:r>
             <a:r>
-              <a:rPr lang="zh-CN" altLang="en-US" b="1">
+              <a:rPr lang="zh-CN" altLang="en-US" b="1" dirty="0">
                 <a:solidFill>
                   <a:srgbClr val="FF0000"/>
                 </a:solidFill>
@@ -5170,14 +5729,14 @@
               <a:t>，</a:t>
             </a:r>
             <a:r>
-              <a:rPr lang="zh-CN" altLang="en-US" b="1" smtClean="0">
+              <a:rPr lang="zh-CN" altLang="en-US" b="1" dirty="0" smtClean="0">
                 <a:solidFill>
                   <a:srgbClr val="FF0000"/>
                 </a:solidFill>
               </a:rPr>
               <a:t>死锁产生条件是什么。</a:t>
             </a:r>
-            <a:endParaRPr lang="en-US" altLang="zh-CN" b="1" smtClean="0">
+            <a:endParaRPr lang="en-US" altLang="zh-CN" b="1" dirty="0" smtClean="0">
               <a:solidFill>
                 <a:srgbClr val="FF0000"/>
               </a:solidFill>
@@ -5188,7 +5747,7 @@
               <a:buFontTx/>
               <a:buChar char="-"/>
             </a:pPr>
-            <a:endParaRPr lang="en-US" altLang="zh-CN" b="1"/>
+            <a:endParaRPr lang="en-US" altLang="zh-CN" b="1" dirty="0"/>
           </a:p>
         </p:txBody>
       </p:sp>
@@ -5229,37 +5788,33 @@
           <a:lstStyle/>
           <a:p>
             <a:r>
-              <a:rPr lang="en-US" altLang="zh-CN" smtClean="0"/>
+              <a:rPr lang="en-US" altLang="zh-CN" dirty="0" smtClean="0"/>
               <a:t>1 </a:t>
             </a:r>
             <a:r>
-              <a:rPr lang="zh-CN" altLang="en-US" smtClean="0"/>
-              <a:t>设</a:t>
-            </a:r>
-            <a:r>
-              <a:rPr lang="zh-CN" altLang="en-US" smtClean="0"/>
-              <a:t>计一个写多读取共享内存服务 </a:t>
-            </a:r>
-            <a:r>
-              <a:rPr lang="en-US" altLang="zh-CN" smtClean="0"/>
+              <a:rPr lang="zh-CN" altLang="en-US" dirty="0" smtClean="0"/>
+              <a:t>设计一个写多读取共享内存服务 </a:t>
+            </a:r>
+            <a:r>
+              <a:rPr lang="en-US" altLang="zh-CN" dirty="0" smtClean="0"/>
               <a:t>1【</a:t>
             </a:r>
             <a:r>
-              <a:rPr lang="zh-CN" altLang="en-US" smtClean="0"/>
+              <a:rPr lang="zh-CN" altLang="en-US" dirty="0" smtClean="0"/>
               <a:t>常见问题</a:t>
             </a:r>
             <a:r>
-              <a:rPr lang="en-US" altLang="zh-CN" smtClean="0"/>
+              <a:rPr lang="en-US" altLang="zh-CN" dirty="0" smtClean="0"/>
               <a:t>】</a:t>
             </a:r>
-            <a:endParaRPr lang="zh-CN" altLang="en-US"/>
+            <a:endParaRPr lang="zh-CN" altLang="en-US" dirty="0"/>
           </a:p>
         </p:txBody>
       </p:sp>
     </p:spTree>
     <p:extLst>
       <p:ext uri="{BB962C8B-B14F-4D97-AF65-F5344CB8AC3E}">
-        <p14:creationId xmlns:p14="http://schemas.microsoft.com/office/powerpoint/2010/main" val="3313057596"/>
+        <p14:creationId xmlns:p14="http://schemas.microsoft.com/office/powerpoint/2010/main" xmlns="" val="3313057596"/>
       </p:ext>
     </p:extLst>
   </p:cSld>
@@ -5751,18 +6306,14 @@
             </a:pPr>
             <a:r>
               <a:rPr lang="zh-CN" altLang="en-US" sz="1200" b="1" dirty="0"/>
-              <a:t>进程间</a:t>
-            </a:r>
-            <a:r>
-              <a:rPr lang="zh-CN" altLang="en-US" sz="1200" b="1"/>
-              <a:t>通</a:t>
-            </a:r>
-            <a:r>
-              <a:rPr lang="zh-CN" altLang="en-US" sz="1200" b="1" smtClean="0"/>
+              <a:t>进程间通</a:t>
+            </a:r>
+            <a:r>
+              <a:rPr lang="zh-CN" altLang="en-US" sz="1200" b="1" dirty="0" smtClean="0"/>
               <a:t>信</a:t>
             </a:r>
             <a:r>
-              <a:rPr lang="en-US" altLang="zh-CN" sz="1200" b="1" smtClean="0"/>
+              <a:rPr lang="en-US" altLang="zh-CN" sz="1200" b="1" dirty="0" smtClean="0"/>
               <a:t>(</a:t>
             </a:r>
             <a:r>
@@ -5770,51 +6321,51 @@
               <a:t>inter-process communication</a:t>
             </a:r>
             <a:r>
-              <a:rPr lang="en-US" altLang="zh-CN" sz="1200" b="1" smtClean="0"/>
+              <a:rPr lang="en-US" altLang="zh-CN" sz="1200" b="1" dirty="0" smtClean="0"/>
               <a:t>)</a:t>
             </a:r>
             <a:r>
-              <a:rPr lang="zh-CN" altLang="en-US" sz="1200" b="1" smtClean="0"/>
+              <a:rPr lang="zh-CN" altLang="en-US" sz="1200" b="1" dirty="0" smtClean="0"/>
               <a:t>的有几种</a:t>
             </a:r>
             <a:r>
-              <a:rPr lang="zh-CN" altLang="en-US" sz="1200" b="1"/>
+              <a:rPr lang="zh-CN" altLang="en-US" sz="1200" b="1" dirty="0"/>
               <a:t>方</a:t>
             </a:r>
             <a:r>
-              <a:rPr lang="zh-CN" altLang="en-US" sz="1200" b="1" smtClean="0"/>
+              <a:rPr lang="zh-CN" altLang="en-US" sz="1200" b="1" dirty="0" smtClean="0"/>
               <a:t>式？</a:t>
             </a:r>
-            <a:endParaRPr lang="en-US" altLang="zh-CN" sz="1200" b="1" smtClean="0"/>
+            <a:endParaRPr lang="en-US" altLang="zh-CN" sz="1200" b="1" dirty="0" smtClean="0"/>
           </a:p>
           <a:p>
             <a:pPr marL="0" indent="0">
               <a:buNone/>
             </a:pPr>
             <a:r>
-              <a:rPr lang="zh-CN" altLang="en-US" sz="1200" b="1"/>
+              <a:rPr lang="zh-CN" altLang="en-US" sz="1200" b="1" dirty="0"/>
               <a:t>传</a:t>
             </a:r>
             <a:r>
-              <a:rPr lang="zh-CN" altLang="en-US" sz="1200" b="1" smtClean="0"/>
+              <a:rPr lang="zh-CN" altLang="en-US" sz="1200" b="1" dirty="0" smtClean="0"/>
               <a:t>递数据，共享数据，同步互斥，</a:t>
             </a:r>
             <a:r>
-              <a:rPr lang="en-US" altLang="zh-CN" sz="1200" b="1"/>
+              <a:rPr lang="en-US" altLang="zh-CN" sz="1200" b="1" dirty="0"/>
               <a:t>RPC http thrift </a:t>
             </a:r>
             <a:r>
-              <a:rPr lang="zh-CN" altLang="en-US" sz="1200" b="1"/>
+              <a:rPr lang="zh-CN" altLang="en-US" sz="1200" b="1" dirty="0"/>
               <a:t>跨语言</a:t>
             </a:r>
-            <a:endParaRPr lang="en-US" altLang="zh-CN" sz="1200" b="1" smtClean="0"/>
+            <a:endParaRPr lang="en-US" altLang="zh-CN" sz="1200" b="1" dirty="0" smtClean="0"/>
           </a:p>
           <a:p>
             <a:pPr marL="0" indent="0">
               <a:buNone/>
             </a:pPr>
             <a:r>
-              <a:rPr lang="en-US" altLang="zh-CN" sz="1200" b="1" smtClean="0"/>
+              <a:rPr lang="en-US" altLang="zh-CN" sz="1200" b="1" dirty="0" smtClean="0"/>
               <a:t> </a:t>
             </a:r>
           </a:p>
@@ -5823,23 +6374,23 @@
               <a:buNone/>
             </a:pPr>
             <a:r>
-              <a:rPr lang="zh-CN" altLang="en-US" sz="1200" b="1" smtClean="0"/>
+              <a:rPr lang="zh-CN" altLang="en-US" sz="1200" b="1" dirty="0" smtClean="0"/>
               <a:t>在亚信 不同业务</a:t>
             </a:r>
             <a:r>
-              <a:rPr lang="en-US" altLang="zh-CN" sz="1200" b="1" smtClean="0"/>
+              <a:rPr lang="en-US" altLang="zh-CN" sz="1200" b="1" dirty="0" smtClean="0"/>
               <a:t>,</a:t>
             </a:r>
             <a:r>
-              <a:rPr lang="zh-CN" altLang="en-US" sz="1200" b="1" smtClean="0"/>
+              <a:rPr lang="zh-CN" altLang="en-US" sz="1200" b="1" dirty="0" smtClean="0"/>
               <a:t>框架 之间通信 采用</a:t>
             </a:r>
             <a:r>
-              <a:rPr lang="en-US" altLang="zh-CN" sz="1200" b="1" smtClean="0"/>
+              <a:rPr lang="en-US" altLang="zh-CN" sz="1200" b="1" dirty="0" smtClean="0"/>
               <a:t>IDL</a:t>
             </a:r>
             <a:r>
-              <a:rPr lang="zh-CN" altLang="en-US" sz="1200" b="1" smtClean="0"/>
+              <a:rPr lang="zh-CN" altLang="en-US" sz="1200" b="1" dirty="0" smtClean="0"/>
               <a:t>语言 </a:t>
             </a:r>
             <a:r>
@@ -5848,91 +6399,107 @@
             </a:r>
             <a:r>
               <a:rPr lang="zh-CN" altLang="en-US" sz="1200" dirty="0"/>
-              <a:t>通过一种中立的方式来描述接</a:t>
-            </a:r>
-            <a:r>
-              <a:rPr lang="zh-CN" altLang="en-US" sz="1200"/>
-              <a:t>口</a:t>
-            </a:r>
-            <a:r>
-              <a:rPr lang="zh-CN" altLang="en-US" sz="1200" smtClean="0"/>
+              <a:t>通过一种中立的方式来描述接口</a:t>
+            </a:r>
+            <a:r>
+              <a:rPr lang="zh-CN" altLang="en-US" sz="1200" dirty="0" smtClean="0"/>
               <a:t>，</a:t>
             </a:r>
-            <a:endParaRPr lang="en-US" altLang="zh-CN" sz="1200" smtClean="0"/>
+            <a:endParaRPr lang="en-US" altLang="zh-CN" sz="1200" dirty="0" smtClean="0"/>
           </a:p>
           <a:p>
             <a:pPr marL="0" indent="0">
               <a:buNone/>
             </a:pPr>
-            <a:endParaRPr lang="en-US" altLang="zh-CN" sz="1200" b="1"/>
+            <a:endParaRPr lang="en-US" altLang="zh-CN" sz="1200" b="1" dirty="0"/>
           </a:p>
           <a:p>
             <a:pPr marL="0" indent="0">
               <a:buNone/>
             </a:pPr>
             <a:r>
-              <a:rPr lang="en-US" altLang="zh-CN" sz="1200" b="1" smtClean="0"/>
+              <a:rPr lang="en-US" altLang="zh-CN" sz="1200" b="1" dirty="0" smtClean="0"/>
               <a:t>2. </a:t>
             </a:r>
             <a:r>
-              <a:rPr lang="zh-CN" altLang="en-US" sz="1200" b="1" smtClean="0"/>
-              <a:t>共享内存如何加载</a:t>
-            </a:r>
-            <a:r>
-              <a:rPr lang="zh-CN" altLang="en-US" sz="1200" b="1" smtClean="0"/>
-              <a:t>的</a:t>
-            </a:r>
-            <a:endParaRPr lang="en-US" altLang="zh-CN" sz="1200" b="1" smtClean="0"/>
+              <a:rPr lang="zh-CN" altLang="en-US" sz="1200" b="1" dirty="0" smtClean="0"/>
+              <a:t>共享内存如何加载的</a:t>
+            </a:r>
+            <a:endParaRPr lang="en-US" altLang="zh-CN" sz="1200" b="1" dirty="0" smtClean="0"/>
           </a:p>
           <a:p>
             <a:pPr marL="0" indent="0">
               <a:buNone/>
             </a:pPr>
-            <a:endParaRPr lang="en-US" altLang="zh-CN" sz="1200" b="1" smtClean="0"/>
+            <a:endParaRPr lang="en-US" altLang="zh-CN" sz="1200" b="1" dirty="0" smtClean="0"/>
           </a:p>
           <a:p>
             <a:pPr marL="0" indent="0">
               <a:buNone/>
             </a:pPr>
             <a:r>
-              <a:rPr lang="zh-CN" altLang="en-US" sz="1200" b="1" smtClean="0"/>
+              <a:rPr lang="zh-CN" altLang="en-US" sz="1200" b="1" dirty="0" smtClean="0"/>
               <a:t>共享内存一步 需要几个步骤？ </a:t>
             </a:r>
             <a:r>
-              <a:rPr lang="en-US" altLang="zh-CN" sz="1200" b="1" smtClean="0"/>
+              <a:rPr lang="en-US" altLang="zh-CN" sz="1200" b="1" dirty="0" smtClean="0"/>
               <a:t>2</a:t>
             </a:r>
             <a:r>
-              <a:rPr lang="zh-CN" altLang="en-US" sz="1200" b="1" smtClean="0"/>
+              <a:rPr lang="zh-CN" altLang="en-US" sz="1200" b="1" dirty="0" smtClean="0"/>
               <a:t>个 </a:t>
             </a:r>
-            <a:endParaRPr lang="en-US" altLang="zh-CN" sz="1200" b="1" smtClean="0"/>
+            <a:endParaRPr lang="en-US" altLang="zh-CN" sz="1200" b="1" dirty="0" smtClean="0"/>
           </a:p>
           <a:p>
             <a:pPr marL="0" indent="0">
               <a:buNone/>
             </a:pPr>
-            <a:endParaRPr lang="en-US" altLang="zh-CN" sz="1200" b="1"/>
+            <a:endParaRPr lang="en-US" altLang="zh-CN" sz="1200" b="1" dirty="0"/>
           </a:p>
           <a:p>
             <a:pPr marL="0" indent="0">
               <a:buNone/>
             </a:pPr>
             <a:r>
-              <a:rPr lang="en-US" altLang="zh-CN" sz="1200" b="1"/>
+              <a:rPr lang="en-US" altLang="zh-CN" sz="1200" b="1" dirty="0"/>
               <a:t> </a:t>
             </a:r>
             <a:r>
-              <a:rPr lang="en-US" altLang="zh-CN" sz="1200" b="1" smtClean="0"/>
-              <a:t>posix  Shm_open mmap </a:t>
-            </a:r>
-            <a:r>
-              <a:rPr lang="zh-CN" altLang="en-US" sz="1200" b="1" smtClean="0"/>
+              <a:rPr lang="en-US" altLang="zh-CN" sz="1200" b="1" dirty="0" err="1" smtClean="0"/>
+              <a:t>posix</a:t>
+            </a:r>
+            <a:r>
+              <a:rPr lang="en-US" altLang="zh-CN" sz="1200" b="1" dirty="0" smtClean="0"/>
+              <a:t>  </a:t>
+            </a:r>
+            <a:r>
+              <a:rPr lang="en-US" altLang="zh-CN" sz="1200" b="1" dirty="0" err="1" smtClean="0"/>
+              <a:t>Shm_open</a:t>
+            </a:r>
+            <a:r>
+              <a:rPr lang="en-US" altLang="zh-CN" sz="1200" b="1" dirty="0" smtClean="0"/>
+              <a:t> </a:t>
+            </a:r>
+            <a:r>
+              <a:rPr lang="en-US" altLang="zh-CN" sz="1200" b="1" dirty="0" err="1" smtClean="0"/>
+              <a:t>mmap</a:t>
+            </a:r>
+            <a:r>
+              <a:rPr lang="en-US" altLang="zh-CN" sz="1200" b="1" dirty="0" smtClean="0"/>
+              <a:t> </a:t>
+            </a:r>
+            <a:r>
+              <a:rPr lang="zh-CN" altLang="en-US" sz="1200" b="1" dirty="0" smtClean="0"/>
               <a:t>大小 </a:t>
             </a:r>
             <a:r>
-              <a:rPr lang="en-US" altLang="zh-CN" sz="1200" b="1" smtClean="0"/>
-              <a:t>ftruncate </a:t>
+              <a:rPr lang="en-US" altLang="zh-CN" sz="1200" b="1" dirty="0" err="1" smtClean="0"/>
+              <a:t>ftruncate</a:t>
+            </a:r>
+            <a:r>
+              <a:rPr lang="en-US" altLang="zh-CN" sz="1200" b="1" dirty="0" smtClean="0"/>
+              <a:t> </a:t>
             </a:r>
           </a:p>
           <a:p>
@@ -5940,52 +6507,64 @@
               <a:buNone/>
             </a:pPr>
             <a:r>
-              <a:rPr lang="en-US" altLang="zh-CN" sz="1200" b="1"/>
+              <a:rPr lang="en-US" altLang="zh-CN" sz="1200" b="1" dirty="0"/>
               <a:t> </a:t>
             </a:r>
             <a:r>
-              <a:rPr lang="en-US" altLang="zh-CN" sz="1200" b="1" smtClean="0"/>
-              <a:t>Systemv </a:t>
-            </a:r>
-            <a:r>
-              <a:rPr lang="zh-CN" altLang="en-US" sz="1200" b="1" smtClean="0"/>
+              <a:rPr lang="en-US" altLang="zh-CN" sz="1200" b="1" dirty="0" err="1" smtClean="0"/>
+              <a:t>Systemv</a:t>
+            </a:r>
+            <a:r>
+              <a:rPr lang="en-US" altLang="zh-CN" sz="1200" b="1" dirty="0" smtClean="0"/>
+              <a:t> </a:t>
+            </a:r>
+            <a:r>
+              <a:rPr lang="zh-CN" altLang="en-US" sz="1200" b="1" dirty="0" smtClean="0"/>
               <a:t>共享内存 </a:t>
             </a:r>
             <a:r>
-              <a:rPr lang="en-US" altLang="zh-CN" sz="1200" b="1" smtClean="0"/>
-              <a:t>shm_get shm_at</a:t>
-            </a:r>
-            <a:r>
-              <a:rPr lang="zh-CN" altLang="en-US" sz="1200" b="1" smtClean="0"/>
+              <a:rPr lang="en-US" altLang="zh-CN" sz="1200" b="1" dirty="0" err="1" smtClean="0"/>
+              <a:t>shm_get</a:t>
+            </a:r>
+            <a:r>
+              <a:rPr lang="en-US" altLang="zh-CN" sz="1200" b="1" dirty="0" smtClean="0"/>
+              <a:t> </a:t>
+            </a:r>
+            <a:r>
+              <a:rPr lang="en-US" altLang="zh-CN" sz="1200" b="1" dirty="0" err="1" smtClean="0"/>
+              <a:t>shm_at</a:t>
+            </a:r>
+            <a:r>
+              <a:rPr lang="zh-CN" altLang="en-US" sz="1200" b="1" dirty="0" smtClean="0"/>
               <a:t>  固定</a:t>
             </a:r>
-            <a:endParaRPr lang="en-US" altLang="zh-CN" sz="1200" b="1" smtClean="0"/>
+            <a:endParaRPr lang="en-US" altLang="zh-CN" sz="1200" b="1" dirty="0" smtClean="0"/>
           </a:p>
           <a:p>
             <a:pPr>
               <a:buFontTx/>
               <a:buChar char="-"/>
             </a:pPr>
-            <a:endParaRPr lang="en-US" altLang="zh-CN" sz="1200" b="1" smtClean="0"/>
+            <a:endParaRPr lang="en-US" altLang="zh-CN" sz="1200" b="1" dirty="0" smtClean="0"/>
           </a:p>
           <a:p>
             <a:pPr marL="0" indent="0">
               <a:buNone/>
             </a:pPr>
             <a:r>
-              <a:rPr lang="en-US" altLang="zh-CN" sz="1200" b="1" smtClean="0"/>
+              <a:rPr lang="en-US" altLang="zh-CN" sz="1200" b="1" dirty="0" smtClean="0"/>
               <a:t>3. </a:t>
             </a:r>
             <a:r>
-              <a:rPr lang="zh-CN" altLang="en-US" sz="1200" b="1" smtClean="0"/>
+              <a:rPr lang="zh-CN" altLang="en-US" sz="1200" b="1" dirty="0" smtClean="0"/>
               <a:t>如何同步的</a:t>
             </a:r>
             <a:r>
-              <a:rPr lang="en-US" altLang="zh-CN" sz="1200" b="1" smtClean="0"/>
+              <a:rPr lang="en-US" altLang="zh-CN" sz="1200" b="1" dirty="0" smtClean="0"/>
               <a:t>(</a:t>
             </a:r>
             <a:r>
-              <a:rPr lang="zh-CN" altLang="en-US" sz="1200" b="1">
+              <a:rPr lang="zh-CN" altLang="en-US" sz="1200" b="1" dirty="0">
                 <a:solidFill>
                   <a:srgbClr val="FF0000"/>
                 </a:solidFill>
@@ -5993,7 +6572,7 @@
               <a:t>进</a:t>
             </a:r>
             <a:r>
-              <a:rPr lang="zh-CN" altLang="en-US" sz="1200" b="1" smtClean="0">
+              <a:rPr lang="zh-CN" altLang="en-US" sz="1200" b="1" dirty="0" smtClean="0">
                 <a:solidFill>
                   <a:srgbClr val="FF0000"/>
                 </a:solidFill>
@@ -6001,37 +6580,68 @@
               <a:t>程间，线程间</a:t>
             </a:r>
             <a:r>
-              <a:rPr lang="en-US" altLang="zh-CN" sz="1200" b="1" smtClean="0"/>
-              <a:t>)</a:t>
-            </a:r>
+              <a:rPr lang="en-US" altLang="zh-CN" sz="1200" b="1" dirty="0" smtClean="0"/>
+              <a:t>)    3</a:t>
+            </a:r>
+            <a:r>
+              <a:rPr sz="1200" b="1" dirty="0" smtClean="0"/>
+              <a:t>个信号量</a:t>
+            </a:r>
+            <a:endParaRPr lang="en-US" altLang="zh-CN" sz="1200" b="1" dirty="0" smtClean="0"/>
           </a:p>
           <a:p>
             <a:pPr marL="0" indent="0">
               <a:buNone/>
             </a:pPr>
             <a:r>
-              <a:rPr lang="zh-CN" altLang="en-US" sz="1200" b="1" smtClean="0"/>
+              <a:rPr lang="zh-CN" altLang="en-US" sz="1200" b="1" dirty="0" smtClean="0"/>
               <a:t>：</a:t>
             </a:r>
-            <a:r>
-              <a:rPr lang="zh-CN" altLang="en-US" sz="1200" b="1"/>
-              <a:t>信号量放到 共享内存 </a:t>
-            </a:r>
-            <a:r>
-              <a:rPr lang="en-US" altLang="zh-CN" sz="1200" b="1"/>
-              <a:t>mmap </a:t>
-            </a:r>
-            <a:r>
-              <a:rPr lang="zh-CN" altLang="en-US" sz="1200" b="1"/>
-              <a:t>映射到进程空间</a:t>
-            </a:r>
-            <a:endParaRPr lang="en-US" altLang="zh-CN" sz="1200" b="1"/>
+            <a:endParaRPr lang="en-US" altLang="zh-CN" sz="1200" b="1" dirty="0" smtClean="0"/>
+          </a:p>
+          <a:p>
+            <a:pPr marL="0" indent="0">
+              <a:buNone/>
+            </a:pPr>
+            <a:r>
+              <a:rPr lang="zh-CN" altLang="en-US" sz="1200" b="1" dirty="0" smtClean="0"/>
+              <a:t>信号量</a:t>
+            </a:r>
+            <a:r>
+              <a:rPr lang="zh-CN" altLang="en-US" sz="1200" b="1" dirty="0"/>
+              <a:t>放到 共享内存 </a:t>
+            </a:r>
+            <a:r>
+              <a:rPr lang="en-US" altLang="zh-CN" sz="1200" b="1" dirty="0" err="1"/>
+              <a:t>mmap</a:t>
+            </a:r>
+            <a:r>
+              <a:rPr lang="en-US" altLang="zh-CN" sz="1200" b="1" dirty="0"/>
+              <a:t> </a:t>
+            </a:r>
+            <a:r>
+              <a:rPr lang="zh-CN" altLang="en-US" sz="1200" b="1" dirty="0"/>
+              <a:t>映射到进程</a:t>
+            </a:r>
+            <a:r>
+              <a:rPr lang="zh-CN" altLang="en-US" sz="1200" b="1" dirty="0" smtClean="0"/>
+              <a:t>空间  </a:t>
+            </a:r>
+            <a:r>
+              <a:rPr altLang="en-US" sz="1200" b="1" dirty="0" smtClean="0"/>
+              <a:t>这个是进程内部的状态。</a:t>
+            </a:r>
+            <a:r>
+              <a:rPr lang="zh-CN" altLang="en-US" sz="1200" b="1" dirty="0" smtClean="0"/>
+              <a:t> </a:t>
+            </a:r>
+            <a:endParaRPr lang="en-US" altLang="zh-CN" sz="1200" b="1" dirty="0"/>
           </a:p>
           <a:p>
             <a:pPr marL="400050" lvl="1" indent="0">
               <a:buNone/>
             </a:pPr>
-            <a:endParaRPr lang="en-US" altLang="zh-CN" sz="1200" b="1" smtClean="0">
+            <a:endParaRPr lang="en-US" altLang="zh-CN" sz="1200" b="1" dirty="0" smtClean="0">
               <a:solidFill>
                 <a:srgbClr val="FF0000"/>
               </a:solidFill>
@@ -6042,20 +6652,12 @@
               <a:buNone/>
             </a:pPr>
             <a:r>
-              <a:rPr lang="en-US" altLang="zh-CN" sz="1200" b="1" smtClean="0">
+              <a:rPr lang="en-US" altLang="zh-CN" sz="1200" b="1" dirty="0" smtClean="0">
                 <a:solidFill>
                   <a:srgbClr val="FF0000"/>
                 </a:solidFill>
               </a:rPr>
-              <a:t>1 </a:t>
-            </a:r>
-            <a:r>
-              <a:rPr lang="en-US" altLang="zh-CN" sz="1200" b="1" smtClean="0">
-                <a:solidFill>
-                  <a:srgbClr val="FF0000"/>
-                </a:solidFill>
-              </a:rPr>
-              <a:t>v  1</a:t>
+              <a:t>1 v  1</a:t>
             </a:r>
           </a:p>
           <a:p>
@@ -6063,7 +6665,7 @@
               <a:buNone/>
             </a:pPr>
             <a:r>
-              <a:rPr lang="en-US" altLang="zh-CN" sz="1200" b="1" smtClean="0">
+              <a:rPr lang="en-US" altLang="zh-CN" sz="1200" b="1" dirty="0" smtClean="0">
                 <a:solidFill>
                   <a:srgbClr val="FF0000"/>
                 </a:solidFill>
@@ -6076,14 +6678,14 @@
               <a:buNone/>
             </a:pPr>
             <a:r>
-              <a:rPr lang="zh-CN" altLang="en-US" sz="1200" b="1" smtClean="0">
+              <a:rPr lang="zh-CN" altLang="en-US" sz="1200" b="1" dirty="0" smtClean="0">
                 <a:solidFill>
                   <a:srgbClr val="FF0000"/>
                 </a:solidFill>
               </a:rPr>
               <a:t>多生产 但消费</a:t>
             </a:r>
-            <a:endParaRPr lang="en-US" altLang="zh-CN" sz="1200" b="1" smtClean="0">
+            <a:endParaRPr lang="en-US" altLang="zh-CN" sz="1200" b="1" dirty="0" smtClean="0">
               <a:solidFill>
                 <a:srgbClr val="FF0000"/>
               </a:solidFill>
@@ -6094,19 +6696,30 @@
               <a:buNone/>
             </a:pPr>
             <a:r>
-              <a:rPr lang="en-US" altLang="zh-CN" sz="1200" b="1" smtClean="0">
+              <a:rPr lang="en-US" altLang="zh-CN" sz="1200" b="1" dirty="0" smtClean="0">
                 <a:solidFill>
                   <a:srgbClr val="FF0000"/>
                 </a:solidFill>
               </a:rPr>
-              <a:t>N V N</a:t>
-            </a:r>
-          </a:p>
-          <a:p>
-            <a:pPr marL="400050" lvl="1" indent="0">
-              <a:buNone/>
-            </a:pPr>
-            <a:endParaRPr lang="en-US" altLang="zh-CN" sz="1200" b="1" smtClean="0">
+              <a:t>N V </a:t>
+            </a:r>
+            <a:r>
+              <a:rPr lang="en-US" altLang="zh-CN" sz="1200" b="1" dirty="0" smtClean="0">
+                <a:solidFill>
+                  <a:srgbClr val="FF0000"/>
+                </a:solidFill>
+              </a:rPr>
+              <a:t>N   4</a:t>
+            </a:r>
+            <a:r>
+              <a:rPr sz="1200" b="1" dirty="0" smtClean="0">
+                <a:solidFill>
+                  <a:srgbClr val="FF0000"/>
+                </a:solidFill>
+              </a:rPr>
+              <a:t>个信号李</a:t>
+            </a:r>
+            <a:endParaRPr lang="en-US" altLang="zh-CN" sz="1200" b="1" dirty="0" smtClean="0">
               <a:solidFill>
                 <a:srgbClr val="FF0000"/>
               </a:solidFill>
@@ -6116,50 +6729,60 @@
             <a:pPr marL="400050" lvl="1" indent="0">
               <a:buNone/>
             </a:pPr>
-            <a:r>
-              <a:rPr lang="en-US" altLang="zh-CN" sz="1200" b="1" smtClean="0">
-                <a:solidFill>
-                  <a:srgbClr val="FF0000"/>
-                </a:solidFill>
-              </a:rPr>
-              <a:t>4 </a:t>
-            </a:r>
-            <a:r>
-              <a:rPr lang="zh-CN" altLang="en-US" sz="1200" b="1" smtClean="0">
-                <a:solidFill>
-                  <a:srgbClr val="FF0000"/>
-                </a:solidFill>
-              </a:rPr>
-              <a:t>在写代码中能够 遇到过死锁吗</a:t>
-            </a:r>
-            <a:r>
-              <a:rPr lang="zh-CN" altLang="en-US" sz="1200" b="1">
-                <a:solidFill>
-                  <a:srgbClr val="FF0000"/>
-                </a:solidFill>
-              </a:rPr>
-              <a:t>，</a:t>
-            </a:r>
-            <a:r>
-              <a:rPr lang="zh-CN" altLang="en-US" sz="1200" b="1" smtClean="0">
-                <a:solidFill>
-                  <a:srgbClr val="FF0000"/>
-                </a:solidFill>
-              </a:rPr>
-              <a:t>死锁产生条件是什么。</a:t>
-            </a:r>
-            <a:endParaRPr lang="en-US" altLang="zh-CN" sz="1200" b="1" smtClean="0">
+            <a:endParaRPr lang="en-US" altLang="zh-CN" sz="1200" b="1" dirty="0" smtClean="0">
               <a:solidFill>
                 <a:srgbClr val="FF0000"/>
               </a:solidFill>
             </a:endParaRPr>
           </a:p>
           <a:p>
+            <a:pPr marL="400050" lvl="1" indent="0">
+              <a:buNone/>
+            </a:pPr>
+            <a:r>
+              <a:rPr lang="en-US" altLang="zh-CN" sz="1200" b="1" dirty="0" smtClean="0">
+                <a:solidFill>
+                  <a:srgbClr val="FF0000"/>
+                </a:solidFill>
+              </a:rPr>
+              <a:t>4 </a:t>
+            </a:r>
+            <a:r>
+              <a:rPr lang="zh-CN" altLang="en-US" sz="1200" b="1" dirty="0" smtClean="0">
+                <a:solidFill>
+                  <a:srgbClr val="FF0000"/>
+                </a:solidFill>
+              </a:rPr>
+              <a:t>在写代码中能够 遇到过死锁吗</a:t>
+            </a:r>
+            <a:r>
+              <a:rPr lang="zh-CN" altLang="en-US" sz="1200" b="1" dirty="0">
+                <a:solidFill>
+                  <a:srgbClr val="FF0000"/>
+                </a:solidFill>
+              </a:rPr>
+              <a:t>，</a:t>
+            </a:r>
+            <a:r>
+              <a:rPr lang="zh-CN" altLang="en-US" sz="1200" b="1" dirty="0" smtClean="0">
+                <a:solidFill>
+                  <a:srgbClr val="FF0000"/>
+                </a:solidFill>
+              </a:rPr>
+              <a:t>死锁产生条件是什么。</a:t>
+            </a:r>
+            <a:endParaRPr lang="en-US" altLang="zh-CN" sz="1200" b="1" dirty="0" smtClean="0">
+              <a:solidFill>
+                <a:srgbClr val="FF0000"/>
+              </a:solidFill>
+            </a:endParaRPr>
+          </a:p>
+          <a:p>
             <a:pPr>
               <a:buFontTx/>
               <a:buChar char="-"/>
             </a:pPr>
-            <a:endParaRPr lang="en-US" altLang="zh-CN" sz="1200" b="1"/>
+            <a:endParaRPr lang="en-US" altLang="zh-CN" sz="1200" b="1" dirty="0"/>
           </a:p>
         </p:txBody>
       </p:sp>
@@ -6200,29 +6823,37 @@
           <a:lstStyle/>
           <a:p>
             <a:r>
-              <a:rPr lang="en-US" altLang="zh-CN" smtClean="0"/>
+              <a:rPr lang="en-US" altLang="zh-CN" dirty="0" smtClean="0"/>
               <a:t>1  </a:t>
             </a:r>
             <a:r>
-              <a:rPr lang="zh-CN" altLang="en-US" smtClean="0"/>
+              <a:rPr lang="zh-CN" altLang="en-US" dirty="0" smtClean="0"/>
               <a:t>设计一个写多读取共享内存服务 </a:t>
             </a:r>
             <a:r>
-              <a:rPr lang="en-US" altLang="zh-CN" smtClean="0"/>
+              <a:rPr lang="en-US" altLang="zh-CN" dirty="0" smtClean="0"/>
               <a:t>(2</a:t>
             </a:r>
             <a:r>
-              <a:rPr lang="en-US" altLang="zh-CN" smtClean="0"/>
-              <a:t>)【2020-03-05】</a:t>
-            </a:r>
-            <a:endParaRPr lang="zh-CN" altLang="en-US"/>
+              <a:rPr lang="en-US" altLang="zh-CN" dirty="0" smtClean="0"/>
+              <a:t>)【5</a:t>
+            </a:r>
+            <a:r>
+              <a:rPr lang="zh-CN" altLang="en-US" dirty="0" smtClean="0"/>
+              <a:t>分钟</a:t>
+            </a:r>
+            <a:r>
+              <a:rPr lang="en-US" altLang="zh-CN" dirty="0" smtClean="0"/>
+              <a:t>】</a:t>
+            </a:r>
+            <a:endParaRPr lang="zh-CN" altLang="en-US" dirty="0"/>
           </a:p>
         </p:txBody>
       </p:sp>
     </p:spTree>
     <p:extLst>
       <p:ext uri="{BB962C8B-B14F-4D97-AF65-F5344CB8AC3E}">
-        <p14:creationId xmlns:p14="http://schemas.microsoft.com/office/powerpoint/2010/main" val="2327649552"/>
+        <p14:creationId xmlns:p14="http://schemas.microsoft.com/office/powerpoint/2010/main" xmlns="" val="2327649552"/>
       </p:ext>
     </p:extLst>
   </p:cSld>
@@ -7192,7 +7823,7 @@
                                         <p:tgtEl>
                                           <p:spTgt spid="2">
                                             <p:txEl>
-                                              <p:pRg st="15" end="15"/>
+                                              <p:pRg st="14" end="14"/>
                                             </p:txEl>
                                           </p:spTgt>
                                         </p:tgtEl>
@@ -7210,7 +7841,7 @@
                                         <p:tgtEl>
                                           <p:spTgt spid="2">
                                             <p:txEl>
-                                              <p:pRg st="15" end="15"/>
+                                              <p:pRg st="14" end="14"/>
                                             </p:txEl>
                                           </p:spTgt>
                                         </p:tgtEl>
@@ -7237,7 +7868,7 @@
                                         <p:tgtEl>
                                           <p:spTgt spid="2">
                                             <p:txEl>
-                                              <p:pRg st="15" end="15"/>
+                                              <p:pRg st="14" end="14"/>
                                             </p:txEl>
                                           </p:spTgt>
                                         </p:tgtEl>
@@ -7604,7 +8235,7 @@
                                         <p:tgtEl>
                                           <p:spTgt spid="2">
                                             <p:txEl>
-                                              <p:pRg st="20" end="20"/>
+                                              <p:pRg st="19" end="19"/>
                                             </p:txEl>
                                           </p:spTgt>
                                         </p:tgtEl>
@@ -7622,7 +8253,7 @@
                                         <p:tgtEl>
                                           <p:spTgt spid="2">
                                             <p:txEl>
-                                              <p:pRg st="20" end="20"/>
+                                              <p:pRg st="19" end="19"/>
                                             </p:txEl>
                                           </p:spTgt>
                                         </p:tgtEl>
@@ -7649,7 +8280,110 @@
                                         <p:tgtEl>
                                           <p:spTgt spid="2">
                                             <p:txEl>
-                                              <p:pRg st="20" end="20"/>
+                                              <p:pRg st="19" end="19"/>
+                                            </p:txEl>
+                                          </p:spTgt>
+                                        </p:tgtEl>
+                                        <p:attrNameLst>
+                                          <p:attrName>ppt_y</p:attrName>
+                                        </p:attrNameLst>
+                                      </p:cBhvr>
+                                      <p:tavLst>
+                                        <p:tav tm="0">
+                                          <p:val>
+                                            <p:strVal val="1+#ppt_h/2"/>
+                                          </p:val>
+                                        </p:tav>
+                                        <p:tav tm="100000">
+                                          <p:val>
+                                            <p:strVal val="#ppt_y"/>
+                                          </p:val>
+                                        </p:tav>
+                                      </p:tavLst>
+                                    </p:anim>
+                                  </p:childTnLst>
+                                </p:cTn>
+                              </p:par>
+                            </p:childTnLst>
+                          </p:cTn>
+                        </p:par>
+                      </p:childTnLst>
+                    </p:cTn>
+                  </p:par>
+                  <p:par>
+                    <p:cTn id="87" fill="hold">
+                      <p:stCondLst>
+                        <p:cond delay="indefinite"/>
+                      </p:stCondLst>
+                      <p:childTnLst>
+                        <p:par>
+                          <p:cTn id="88" fill="hold">
+                            <p:stCondLst>
+                              <p:cond delay="0"/>
+                            </p:stCondLst>
+                            <p:childTnLst>
+                              <p:par>
+                                <p:cTn id="89" presetID="2" presetClass="entr" presetSubtype="4" fill="hold" nodeType="clickEffect">
+                                  <p:stCondLst>
+                                    <p:cond delay="0"/>
+                                  </p:stCondLst>
+                                  <p:childTnLst>
+                                    <p:set>
+                                      <p:cBhvr>
+                                        <p:cTn id="90" dur="1" fill="hold">
+                                          <p:stCondLst>
+                                            <p:cond delay="0"/>
+                                          </p:stCondLst>
+                                        </p:cTn>
+                                        <p:tgtEl>
+                                          <p:spTgt spid="2">
+                                            <p:txEl>
+                                              <p:pRg st="21" end="21"/>
+                                            </p:txEl>
+                                          </p:spTgt>
+                                        </p:tgtEl>
+                                        <p:attrNameLst>
+                                          <p:attrName>style.visibility</p:attrName>
+                                        </p:attrNameLst>
+                                      </p:cBhvr>
+                                      <p:to>
+                                        <p:strVal val="visible"/>
+                                      </p:to>
+                                    </p:set>
+                                    <p:anim calcmode="lin" valueType="num">
+                                      <p:cBhvr additive="base">
+                                        <p:cTn id="91" dur="500" fill="hold"/>
+                                        <p:tgtEl>
+                                          <p:spTgt spid="2">
+                                            <p:txEl>
+                                              <p:pRg st="21" end="21"/>
+                                            </p:txEl>
+                                          </p:spTgt>
+                                        </p:tgtEl>
+                                        <p:attrNameLst>
+                                          <p:attrName>ppt_x</p:attrName>
+                                        </p:attrNameLst>
+                                      </p:cBhvr>
+                                      <p:tavLst>
+                                        <p:tav tm="0">
+                                          <p:val>
+                                            <p:strVal val="#ppt_x"/>
+                                          </p:val>
+                                        </p:tav>
+                                        <p:tav tm="100000">
+                                          <p:val>
+                                            <p:strVal val="#ppt_x"/>
+                                          </p:val>
+                                        </p:tav>
+                                      </p:tavLst>
+                                    </p:anim>
+                                    <p:anim calcmode="lin" valueType="num">
+                                      <p:cBhvr additive="base">
+                                        <p:cTn id="92" dur="500" fill="hold"/>
+                                        <p:tgtEl>
+                                          <p:spTgt spid="2">
+                                            <p:txEl>
+                                              <p:pRg st="21" end="21"/>
                                             </p:txEl>
                                           </p:spTgt>
                                         </p:tgtEl>
@@ -7737,53 +8471,43 @@
           <a:lstStyle/>
           <a:p>
             <a:r>
-              <a:rPr lang="zh-CN" altLang="en-US" smtClean="0"/>
-              <a:t>心跳检测（如何实现具体实现过程</a:t>
-            </a:r>
-            <a:r>
-              <a:rPr lang="zh-CN" altLang="en-US" smtClean="0"/>
-              <a:t>）</a:t>
-            </a:r>
-            <a:endParaRPr lang="en-US" altLang="zh-CN" smtClean="0"/>
-          </a:p>
-          <a:p>
-            <a:r>
-              <a:rPr lang="en-US" altLang="zh-CN">
+              <a:rPr lang="zh-CN" altLang="en-US" dirty="0" smtClean="0"/>
+              <a:t>心跳检测（如何实现具体实现过程）</a:t>
+            </a:r>
+            <a:endParaRPr lang="en-US" altLang="zh-CN" dirty="0" smtClean="0"/>
+          </a:p>
+          <a:p>
+            <a:r>
+              <a:rPr lang="en-US" altLang="zh-CN" dirty="0">
                 <a:hlinkClick r:id="rId3"/>
               </a:rPr>
-              <a:t>https</a:t>
-            </a:r>
-            <a:r>
-              <a:rPr lang="en-US" altLang="zh-CN">
+              <a:t>https://</a:t>
+            </a:r>
+            <a:r>
+              <a:rPr lang="en-US" altLang="zh-CN" dirty="0" smtClean="0">
                 <a:hlinkClick r:id="rId3"/>
               </a:rPr>
-              <a:t>://</a:t>
-            </a:r>
-            <a:r>
-              <a:rPr lang="en-US" altLang="zh-CN" smtClean="0">
-                <a:hlinkClick r:id="rId3"/>
-              </a:rPr>
               <a:t>www.infoq.cn/article/5NhHho2gUgvKu*iHW24E</a:t>
             </a:r>
-            <a:endParaRPr lang="en-US" altLang="zh-CN" smtClean="0"/>
-          </a:p>
-          <a:p>
-            <a:r>
-              <a:rPr lang="en-US" altLang="zh-CN">
+            <a:endParaRPr lang="en-US" altLang="zh-CN" dirty="0" smtClean="0"/>
+          </a:p>
+          <a:p>
+            <a:r>
+              <a:rPr lang="en-US" altLang="zh-CN" dirty="0">
                 <a:hlinkClick r:id="rId4"/>
               </a:rPr>
               <a:t>https://cloud.tencent.com/developer/article/1444308</a:t>
             </a:r>
-            <a:endParaRPr lang="en-US" altLang="zh-CN" smtClean="0"/>
-          </a:p>
-          <a:p>
-            <a:r>
-              <a:rPr lang="en-US" altLang="zh-CN">
+            <a:endParaRPr lang="en-US" altLang="zh-CN" dirty="0" smtClean="0"/>
+          </a:p>
+          <a:p>
+            <a:r>
+              <a:rPr lang="en-US" altLang="zh-CN" dirty="0">
                 <a:hlinkClick r:id="rId5"/>
               </a:rPr>
               <a:t>https://www.infoq.cn/article/UiKyF*4zxplSrpWZ5km1</a:t>
             </a:r>
-            <a:endParaRPr lang="zh-CN" altLang="en-US"/>
+            <a:endParaRPr lang="zh-CN" altLang="en-US" dirty="0"/>
           </a:p>
         </p:txBody>
       </p:sp>
@@ -7838,7 +8562,7 @@
     </p:spTree>
     <p:extLst>
       <p:ext uri="{BB962C8B-B14F-4D97-AF65-F5344CB8AC3E}">
-        <p14:creationId xmlns:p14="http://schemas.microsoft.com/office/powerpoint/2010/main" val="1923392337"/>
+        <p14:creationId xmlns:p14="http://schemas.microsoft.com/office/powerpoint/2010/main" xmlns="" val="1923392337"/>
       </p:ext>
     </p:extLst>
   </p:cSld>
@@ -7887,7 +8611,240 @@
           <a:bodyPr/>
           <a:lstStyle/>
           <a:p>
+            <a:r>
+              <a:rPr altLang="en-US" dirty="0" smtClean="0"/>
+              <a:t>并发：慢</a:t>
+            </a:r>
+            <a:endParaRPr lang="en-US" altLang="en-US" dirty="0" smtClean="0"/>
+          </a:p>
+          <a:p>
+            <a:r>
+              <a:rPr altLang="en-US" dirty="0" smtClean="0"/>
+              <a:t>扩展：不修改代码情况下。</a:t>
+            </a:r>
+            <a:endParaRPr lang="en-US" altLang="en-US" dirty="0" smtClean="0"/>
+          </a:p>
+          <a:p>
+            <a:r>
+              <a:rPr altLang="en-US" dirty="0" smtClean="0"/>
+              <a:t>稳定：服务不可用</a:t>
+            </a:r>
+            <a:endParaRPr lang="en-US" altLang="en-US" dirty="0" smtClean="0"/>
+          </a:p>
+          <a:p>
+            <a:r>
+              <a:rPr altLang="en-US" dirty="0" smtClean="0"/>
+              <a:t>陈浩的专栏。</a:t>
+            </a:r>
+            <a:endParaRPr lang="en-US" altLang="en-US" dirty="0" smtClean="0"/>
+          </a:p>
+        </p:txBody>
+      </p:sp>
+      <p:sp>
+        <p:nvSpPr>
+          <p:cNvPr id="3" name="标题 2"/>
+          <p:cNvSpPr>
+            <a:spLocks noGrp="1"/>
+          </p:cNvSpPr>
+          <p:nvPr>
+            <p:ph type="title"/>
+          </p:nvPr>
+        </p:nvSpPr>
+        <p:spPr>
+          <a:xfrm>
+            <a:off x="683568" y="267494"/>
+            <a:ext cx="8229600" cy="857250"/>
+          </a:xfrm>
+        </p:spPr>
+        <p:style>
+          <a:lnRef idx="2">
+            <a:schemeClr val="dk1">
+              <a:shade val="50000"/>
+            </a:schemeClr>
+          </a:lnRef>
+          <a:fillRef idx="1">
+            <a:schemeClr val="dk1"/>
+          </a:fillRef>
+          <a:effectRef idx="0">
+            <a:schemeClr val="dk1"/>
+          </a:effectRef>
+          <a:fontRef idx="minor">
+            <a:schemeClr val="lt1"/>
+          </a:fontRef>
+        </p:style>
+        <p:txBody>
+          <a:bodyPr/>
+          <a:lstStyle/>
+          <a:p>
+            <a:r>
+              <a:rPr lang="en-US" altLang="zh-CN" smtClean="0"/>
+              <a:t> </a:t>
+            </a:r>
+            <a:r>
+              <a:rPr lang="zh-CN" altLang="en-US" smtClean="0"/>
+              <a:t>设计一个长连接的服务</a:t>
+            </a:r>
             <a:endParaRPr lang="zh-CN" altLang="en-US"/>
+          </a:p>
+        </p:txBody>
+      </p:sp>
+    </p:spTree>
+    <p:extLst>
+      <p:ext uri="{BB962C8B-B14F-4D97-AF65-F5344CB8AC3E}">
+        <p14:creationId xmlns:p14="http://schemas.microsoft.com/office/powerpoint/2010/main" xmlns="" val="1923392337"/>
+      </p:ext>
+    </p:extLst>
+  </p:cSld>
+  <p:clrMapOvr>
+    <a:masterClrMapping/>
+  </p:clrMapOvr>
+  <p:timing>
+    <p:tnLst>
+      <p:par>
+        <p:cTn id="1" dur="indefinite" restart="never" nodeType="tmRoot"/>
+      </p:par>
+    </p:tnLst>
+  </p:timing>
+</p:sld>
+</file>
+
+<file path=ppt/slides/slide15.xml><?xml version="1.0" encoding="utf-8"?>
+<p:sld xmlns:a="http://schemas.openxmlformats.org/drawingml/2006/main" xmlns:r="http://schemas.openxmlformats.org/officeDocument/2006/relationships" xmlns:p="http://schemas.openxmlformats.org/presentationml/2006/main">
+  <p:cSld>
+    <p:spTree>
+      <p:nvGrpSpPr>
+        <p:cNvPr id="1" name=""/>
+        <p:cNvGrpSpPr/>
+        <p:nvPr/>
+      </p:nvGrpSpPr>
+      <p:grpSpPr>
+        <a:xfrm>
+          <a:off x="0" y="0"/>
+          <a:ext cx="0" cy="0"/>
+          <a:chOff x="0" y="0"/>
+          <a:chExt cx="0" cy="0"/>
+        </a:xfrm>
+      </p:grpSpPr>
+      <p:sp>
+        <p:nvSpPr>
+          <p:cNvPr id="2" name="内容占位符 1"/>
+          <p:cNvSpPr>
+            <a:spLocks noGrp="1"/>
+          </p:cNvSpPr>
+          <p:nvPr>
+            <p:ph idx="1"/>
+          </p:nvPr>
+        </p:nvSpPr>
+        <p:spPr/>
+        <p:txBody>
+          <a:bodyPr/>
+          <a:lstStyle/>
+          <a:p>
+            <a:r>
+              <a:rPr dirty="0"/>
+              <a:t>陈咬金三板斧</a:t>
+            </a:r>
+          </a:p>
+          <a:p>
+            <a:r>
+              <a:rPr dirty="0"/>
+              <a:t>陈咬金第一斧  </a:t>
+            </a:r>
+            <a:r>
+              <a:rPr dirty="0" smtClean="0"/>
+              <a:t>这个技术解决了业务上什么问题</a:t>
+            </a:r>
+            <a:endParaRPr dirty="0"/>
+          </a:p>
+          <a:p>
+            <a:r>
+              <a:rPr dirty="0"/>
+              <a:t>陈咬金第二斧 </a:t>
+            </a:r>
+            <a:r>
+              <a:rPr dirty="0" smtClean="0"/>
+              <a:t>这样方式有什么缺点</a:t>
+            </a:r>
+            <a:endParaRPr lang="en-US" dirty="0" smtClean="0"/>
+          </a:p>
+          <a:p>
+            <a:pPr>
+              <a:buNone/>
+            </a:pPr>
+            <a:r>
+              <a:rPr dirty="0" smtClean="0"/>
+              <a:t>从开始不知道，到去看 经过被面试问道好几次：</a:t>
+            </a:r>
+            <a:r>
+              <a:rPr lang="en-US" dirty="0" smtClean="0"/>
+              <a:t>2</a:t>
+            </a:r>
+            <a:r>
+              <a:rPr dirty="0" smtClean="0"/>
+              <a:t>年</a:t>
+            </a:r>
+            <a:endParaRPr lang="en-US" dirty="0" smtClean="0"/>
+          </a:p>
+          <a:p>
+            <a:pPr>
+              <a:buNone/>
+            </a:pPr>
+            <a:r>
+              <a:rPr dirty="0" smtClean="0"/>
+              <a:t>但是看了官方</a:t>
+            </a:r>
+            <a:r>
+              <a:rPr lang="en-US" dirty="0" smtClean="0"/>
+              <a:t>3</a:t>
+            </a:r>
+            <a:r>
+              <a:rPr dirty="0" smtClean="0"/>
+              <a:t>遍，对</a:t>
+            </a:r>
+            <a:r>
+              <a:rPr lang="en-US" altLang="zh-CN" dirty="0" err="1" smtClean="0"/>
+              <a:t>vp</a:t>
+            </a:r>
+            <a:r>
+              <a:rPr dirty="0" smtClean="0"/>
+              <a:t>这个问题看懂。然后问道好几次。</a:t>
+            </a:r>
+            <a:r>
+              <a:rPr lang="en-US" altLang="zh-CN" dirty="0" err="1" smtClean="0"/>
+              <a:t>Vp</a:t>
+            </a:r>
+            <a:r>
+              <a:rPr lang="en-US" altLang="zh-CN" dirty="0" smtClean="0"/>
+              <a:t> 4</a:t>
+            </a:r>
+            <a:r>
+              <a:rPr dirty="0" smtClean="0"/>
+              <a:t>个月，</a:t>
+            </a:r>
+            <a:endParaRPr lang="en-US" dirty="0" smtClean="0"/>
+          </a:p>
+          <a:p>
+            <a:pPr>
+              <a:buNone/>
+            </a:pPr>
+            <a:r>
+              <a:rPr dirty="0" smtClean="0"/>
+              <a:t>后面需要多次时间看懂呢</a:t>
+            </a:r>
+            <a:endParaRPr lang="en-US" altLang="zh-CN" dirty="0" smtClean="0"/>
+          </a:p>
+          <a:p>
+            <a:pPr>
+              <a:buNone/>
+            </a:pPr>
+            <a:endParaRPr dirty="0"/>
+          </a:p>
+          <a:p>
+            <a:r>
+              <a:rPr dirty="0"/>
+              <a:t>陈咬金第三斧 如何避免这个缺点</a:t>
+            </a:r>
+            <a:endParaRPr lang="zh-CN" altLang="en-US" dirty="0"/>
           </a:p>
         </p:txBody>
       </p:sp>
@@ -7924,25 +8881,51 @@
           </a:fontRef>
         </p:style>
         <p:txBody>
-          <a:bodyPr/>
+          <a:bodyPr>
+            <a:normAutofit fontScale="90000"/>
+          </a:bodyPr>
           <a:lstStyle/>
           <a:p>
             <a:r>
-              <a:rPr lang="en-US" altLang="zh-CN" smtClean="0"/>
+              <a:rPr lang="en-US" altLang="zh-CN" dirty="0" smtClean="0"/>
               <a:t> </a:t>
             </a:r>
             <a:r>
-              <a:rPr lang="zh-CN" altLang="en-US" smtClean="0"/>
-              <a:t>用协程解决什么问题？</a:t>
-            </a:r>
-            <a:endParaRPr lang="zh-CN" altLang="en-US"/>
+              <a:rPr lang="zh-CN" altLang="en-US" dirty="0" smtClean="0"/>
+              <a:t>用协程</a:t>
+            </a:r>
+            <a:r>
+              <a:rPr lang="zh-CN" altLang="en-US" dirty="0" smtClean="0"/>
+              <a:t>解决业务什么</a:t>
+            </a:r>
+            <a:r>
+              <a:rPr lang="zh-CN" altLang="en-US" dirty="0" smtClean="0"/>
+              <a:t>问题</a:t>
+            </a:r>
+            <a:r>
+              <a:rPr lang="zh-CN" altLang="en-US" dirty="0" smtClean="0"/>
+              <a:t>？多核如何利用 </a:t>
+            </a:r>
+            <a:r>
+              <a:rPr lang="en-US" altLang="zh-CN" dirty="0" smtClean="0"/>
+              <a:t>【5</a:t>
+            </a:r>
+            <a:r>
+              <a:rPr lang="zh-CN" altLang="en-US" dirty="0" smtClean="0"/>
+              <a:t>分钟内回答</a:t>
+            </a:r>
+            <a:r>
+              <a:rPr lang="en-US" altLang="zh-CN" dirty="0" smtClean="0"/>
+              <a:t>】</a:t>
+            </a:r>
+            <a:endParaRPr lang="zh-CN" altLang="en-US" dirty="0"/>
           </a:p>
         </p:txBody>
       </p:sp>
     </p:spTree>
     <p:extLst>
       <p:ext uri="{BB962C8B-B14F-4D97-AF65-F5344CB8AC3E}">
-        <p14:creationId xmlns:p14="http://schemas.microsoft.com/office/powerpoint/2010/main" val="4095532216"/>
+        <p14:creationId xmlns:p14="http://schemas.microsoft.com/office/powerpoint/2010/main" xmlns="" val="4095532216"/>
       </p:ext>
     </p:extLst>
   </p:cSld>
@@ -7959,7 +8942,352 @@
 </p:sld>
 </file>
 
-<file path=ppt/slides/slide15.xml><?xml version="1.0" encoding="utf-8"?>
+<file path=ppt/slides/slide16.xml><?xml version="1.0" encoding="utf-8"?>
+<p:sld xmlns:a="http://schemas.openxmlformats.org/drawingml/2006/main" xmlns:r="http://schemas.openxmlformats.org/officeDocument/2006/relationships" xmlns:p="http://schemas.openxmlformats.org/presentationml/2006/main">
+  <p:cSld>
+    <p:spTree>
+      <p:nvGrpSpPr>
+        <p:cNvPr id="1" name=""/>
+        <p:cNvGrpSpPr/>
+        <p:nvPr/>
+      </p:nvGrpSpPr>
+      <p:grpSpPr>
+        <a:xfrm>
+          <a:off x="0" y="0"/>
+          <a:ext cx="0" cy="0"/>
+          <a:chOff x="0" y="0"/>
+          <a:chExt cx="0" cy="0"/>
+        </a:xfrm>
+      </p:grpSpPr>
+      <p:sp>
+        <p:nvSpPr>
+          <p:cNvPr id="2" name="内容占位符 1"/>
+          <p:cNvSpPr>
+            <a:spLocks noGrp="1"/>
+          </p:cNvSpPr>
+          <p:nvPr>
+            <p:ph idx="1"/>
+          </p:nvPr>
+        </p:nvSpPr>
+        <p:spPr/>
+        <p:txBody>
+          <a:bodyPr/>
+          <a:lstStyle/>
+          <a:p>
+            <a:pPr>
+              <a:buNone/>
+            </a:pPr>
+            <a:r>
+              <a:rPr lang="en-US" altLang="zh-CN" dirty="0" smtClean="0"/>
+              <a:t>  1</a:t>
+            </a:r>
+            <a:r>
+              <a:rPr lang="en-US" altLang="zh-CN" dirty="0" smtClean="0"/>
+              <a:t>w</a:t>
+            </a:r>
+            <a:r>
+              <a:rPr dirty="0" smtClean="0"/>
+              <a:t>个线程处理</a:t>
+            </a:r>
+            <a:r>
+              <a:rPr dirty="0"/>
+              <a:t>业务</a:t>
+            </a:r>
+            <a:r>
+              <a:rPr lang="en-US" dirty="0" smtClean="0">
+                <a:sym typeface="Wingdings" pitchFamily="2" charset="2"/>
+              </a:rPr>
+              <a:t></a:t>
+            </a:r>
+            <a:r>
+              <a:rPr dirty="0" smtClean="0">
+                <a:sym typeface="Wingdings" pitchFamily="2" charset="2"/>
+              </a:rPr>
+              <a:t>一个线程</a:t>
+            </a:r>
+            <a:r>
+              <a:rPr lang="en-US" dirty="0" smtClean="0">
+                <a:sym typeface="Wingdings" pitchFamily="2" charset="2"/>
+              </a:rPr>
+              <a:t>epoll</a:t>
+            </a:r>
+            <a:r>
+              <a:rPr dirty="0" smtClean="0">
+                <a:sym typeface="Wingdings" pitchFamily="2" charset="2"/>
+              </a:rPr>
+              <a:t>处理（非阻塞读写分开</a:t>
+            </a:r>
+            <a:r>
+              <a:rPr lang="en-US" dirty="0" smtClean="0">
+                <a:sym typeface="Wingdings" pitchFamily="2" charset="2"/>
+              </a:rPr>
+              <a:t>) --- 1</a:t>
+            </a:r>
+            <a:r>
+              <a:rPr lang="en-US" altLang="zh-CN" dirty="0" smtClean="0">
+                <a:sym typeface="Wingdings" pitchFamily="2" charset="2"/>
+              </a:rPr>
+              <a:t>w</a:t>
+            </a:r>
+            <a:r>
+              <a:rPr dirty="0" smtClean="0">
+                <a:sym typeface="Wingdings" pitchFamily="2" charset="2"/>
+              </a:rPr>
+              <a:t>个</a:t>
+            </a:r>
+            <a:r>
+              <a:rPr lang="en-US" altLang="zh-CN" dirty="0" err="1" smtClean="0">
+                <a:sym typeface="Wingdings" pitchFamily="2" charset="2"/>
+              </a:rPr>
+              <a:t>st</a:t>
+            </a:r>
+            <a:r>
+              <a:rPr dirty="0" smtClean="0">
+                <a:sym typeface="Wingdings" pitchFamily="2" charset="2"/>
+              </a:rPr>
+              <a:t>，同时只运行一个如何提高并发</a:t>
+            </a:r>
+            <a:endParaRPr lang="zh-CN" altLang="en-US" dirty="0"/>
+          </a:p>
+        </p:txBody>
+      </p:sp>
+      <p:sp>
+        <p:nvSpPr>
+          <p:cNvPr id="3" name="标题 2"/>
+          <p:cNvSpPr>
+            <a:spLocks noGrp="1"/>
+          </p:cNvSpPr>
+          <p:nvPr>
+            <p:ph type="title"/>
+          </p:nvPr>
+        </p:nvSpPr>
+        <p:spPr>
+          <a:xfrm>
+            <a:off x="417600" y="230400"/>
+            <a:ext cx="8474880" cy="857250"/>
+          </a:xfrm>
+        </p:spPr>
+        <p:style>
+          <a:lnRef idx="2">
+            <a:schemeClr val="accent2">
+              <a:shade val="50000"/>
+            </a:schemeClr>
+          </a:lnRef>
+          <a:fillRef idx="1">
+            <a:schemeClr val="accent2"/>
+          </a:fillRef>
+          <a:effectRef idx="0">
+            <a:schemeClr val="accent2"/>
+          </a:effectRef>
+          <a:fontRef idx="minor">
+            <a:schemeClr val="lt1"/>
+          </a:fontRef>
+        </p:style>
+        <p:txBody>
+          <a:bodyPr>
+            <a:normAutofit fontScale="90000"/>
+          </a:bodyPr>
+          <a:lstStyle/>
+          <a:p>
+            <a:r>
+              <a:rPr lang="en-US" altLang="zh-CN" dirty="0" smtClean="0"/>
+              <a:t> </a:t>
+            </a:r>
+            <a:r>
+              <a:rPr lang="zh-CN" altLang="en-US" dirty="0" smtClean="0"/>
+              <a:t>用协程</a:t>
+            </a:r>
+            <a:r>
+              <a:rPr lang="zh-CN" altLang="en-US" dirty="0" smtClean="0"/>
+              <a:t>解决业务什么</a:t>
+            </a:r>
+            <a:r>
+              <a:rPr lang="zh-CN" altLang="en-US" dirty="0" smtClean="0"/>
+              <a:t>问题</a:t>
+            </a:r>
+            <a:r>
+              <a:rPr lang="zh-CN" altLang="en-US" dirty="0" smtClean="0"/>
+              <a:t>？多核如何利用 </a:t>
+            </a:r>
+            <a:r>
+              <a:rPr lang="en-US" altLang="zh-CN" dirty="0" smtClean="0"/>
+              <a:t>【</a:t>
+            </a:r>
+            <a:r>
+              <a:rPr lang="zh-CN" altLang="en-US" dirty="0" smtClean="0"/>
+              <a:t>常见问题</a:t>
+            </a:r>
+            <a:r>
+              <a:rPr lang="en-US" altLang="zh-CN" dirty="0" smtClean="0"/>
+              <a:t>】</a:t>
+            </a:r>
+            <a:endParaRPr lang="zh-CN" altLang="en-US" dirty="0"/>
+          </a:p>
+        </p:txBody>
+      </p:sp>
+    </p:spTree>
+    <p:extLst>
+      <p:ext uri="{BB962C8B-B14F-4D97-AF65-F5344CB8AC3E}">
+        <p14:creationId xmlns:p14="http://schemas.microsoft.com/office/powerpoint/2010/main" xmlns="" val="4095532216"/>
+      </p:ext>
+    </p:extLst>
+  </p:cSld>
+  <p:clrMapOvr>
+    <a:masterClrMapping/>
+  </p:clrMapOvr>
+  <p:timing>
+    <p:tnLst>
+      <p:par>
+        <p:cTn id="1" dur="indefinite" restart="never" nodeType="tmRoot"/>
+      </p:par>
+    </p:tnLst>
+  </p:timing>
+</p:sld>
+</file>
+
+<file path=ppt/slides/slide17.xml><?xml version="1.0" encoding="utf-8"?>
+<p:sld xmlns:a="http://schemas.openxmlformats.org/drawingml/2006/main" xmlns:r="http://schemas.openxmlformats.org/officeDocument/2006/relationships" xmlns:p="http://schemas.openxmlformats.org/presentationml/2006/main">
+  <p:cSld>
+    <p:spTree>
+      <p:nvGrpSpPr>
+        <p:cNvPr id="1" name=""/>
+        <p:cNvGrpSpPr/>
+        <p:nvPr/>
+      </p:nvGrpSpPr>
+      <p:grpSpPr>
+        <a:xfrm>
+          <a:off x="0" y="0"/>
+          <a:ext cx="0" cy="0"/>
+          <a:chOff x="0" y="0"/>
+          <a:chExt cx="0" cy="0"/>
+        </a:xfrm>
+      </p:grpSpPr>
+      <p:sp>
+        <p:nvSpPr>
+          <p:cNvPr id="2" name="内容占位符 1"/>
+          <p:cNvSpPr>
+            <a:spLocks noGrp="1"/>
+          </p:cNvSpPr>
+          <p:nvPr>
+            <p:ph idx="1"/>
+          </p:nvPr>
+        </p:nvSpPr>
+        <p:spPr/>
+        <p:txBody>
+          <a:bodyPr/>
+          <a:lstStyle/>
+          <a:p>
+            <a:endParaRPr lang="zh-CN" altLang="en-US"/>
+          </a:p>
+        </p:txBody>
+      </p:sp>
+      <p:sp>
+        <p:nvSpPr>
+          <p:cNvPr id="3" name="标题 2"/>
+          <p:cNvSpPr>
+            <a:spLocks noGrp="1"/>
+          </p:cNvSpPr>
+          <p:nvPr>
+            <p:ph type="title"/>
+          </p:nvPr>
+        </p:nvSpPr>
+        <p:spPr/>
+        <p:txBody>
+          <a:bodyPr/>
+          <a:lstStyle/>
+          <a:p>
+            <a:r>
+              <a:rPr lang="en-US" altLang="zh-CN" dirty="0" smtClean="0"/>
+              <a:t> </a:t>
+            </a:r>
+            <a:r>
+              <a:rPr lang="zh-CN" altLang="en-US" dirty="0" smtClean="0"/>
+              <a:t>高可用</a:t>
+            </a:r>
+            <a:endParaRPr lang="zh-CN" altLang="en-US" dirty="0"/>
+          </a:p>
+        </p:txBody>
+      </p:sp>
+    </p:spTree>
+  </p:cSld>
+  <p:clrMapOvr>
+    <a:masterClrMapping/>
+  </p:clrMapOvr>
+</p:sld>
+</file>
+
+<file path=ppt/slides/slide18.xml><?xml version="1.0" encoding="utf-8"?>
+<p:sld xmlns:a="http://schemas.openxmlformats.org/drawingml/2006/main" xmlns:r="http://schemas.openxmlformats.org/officeDocument/2006/relationships" xmlns:p="http://schemas.openxmlformats.org/presentationml/2006/main">
+  <p:cSld>
+    <p:spTree>
+      <p:nvGrpSpPr>
+        <p:cNvPr id="1" name=""/>
+        <p:cNvGrpSpPr/>
+        <p:nvPr/>
+      </p:nvGrpSpPr>
+      <p:grpSpPr>
+        <a:xfrm>
+          <a:off x="0" y="0"/>
+          <a:ext cx="0" cy="0"/>
+          <a:chOff x="0" y="0"/>
+          <a:chExt cx="0" cy="0"/>
+        </a:xfrm>
+      </p:grpSpPr>
+      <p:sp>
+        <p:nvSpPr>
+          <p:cNvPr id="2" name="内容占位符 1"/>
+          <p:cNvSpPr>
+            <a:spLocks noGrp="1"/>
+          </p:cNvSpPr>
+          <p:nvPr>
+            <p:ph idx="1"/>
+          </p:nvPr>
+        </p:nvSpPr>
+        <p:spPr/>
+        <p:txBody>
+          <a:bodyPr/>
+          <a:lstStyle/>
+          <a:p>
+            <a:endParaRPr lang="zh-CN" altLang="en-US"/>
+          </a:p>
+        </p:txBody>
+      </p:sp>
+      <p:sp>
+        <p:nvSpPr>
+          <p:cNvPr id="3" name="标题 2"/>
+          <p:cNvSpPr>
+            <a:spLocks noGrp="1"/>
+          </p:cNvSpPr>
+          <p:nvPr>
+            <p:ph type="title"/>
+          </p:nvPr>
+        </p:nvSpPr>
+        <p:spPr/>
+        <p:txBody>
+          <a:bodyPr/>
+          <a:lstStyle/>
+          <a:p>
+            <a:r>
+              <a:rPr lang="en-US" altLang="zh-CN" dirty="0" smtClean="0"/>
+              <a:t> core  db </a:t>
+            </a:r>
+            <a:r>
+              <a:rPr lang="zh-CN" altLang="en-US" dirty="0" smtClean="0"/>
+              <a:t>问题解决</a:t>
+            </a:r>
+            <a:endParaRPr lang="zh-CN" altLang="en-US" dirty="0"/>
+          </a:p>
+        </p:txBody>
+      </p:sp>
+    </p:spTree>
+  </p:cSld>
+  <p:clrMapOvr>
+    <a:masterClrMapping/>
+  </p:clrMapOvr>
+</p:sld>
+</file>
+
+<file path=ppt/slides/slide19.xml><?xml version="1.0" encoding="utf-8"?>
 <p:sld xmlns:a="http://schemas.openxmlformats.org/drawingml/2006/main" xmlns:r="http://schemas.openxmlformats.org/officeDocument/2006/relationships" xmlns:p="http://schemas.openxmlformats.org/presentationml/2006/main">
   <p:cSld>
     <p:spTree>
@@ -8389,11 +9717,11 @@
   <p:clrMapOvr>
     <a:masterClrMapping/>
   </p:clrMapOvr>
-  <mc:AlternateContent xmlns:mc="http://schemas.openxmlformats.org/markup-compatibility/2006" xmlns:p14="http://schemas.microsoft.com/office/powerpoint/2010/main">
-    <mc:Choice Requires="p14">
+  <mc:AlternateContent xmlns:mc="http://schemas.openxmlformats.org/markup-compatibility/2006">
+    <mc:Choice xmlns:p14="http://schemas.microsoft.com/office/powerpoint/2010/main" xmlns="" Requires="p14">
       <p:transition spd="slow" p14:dur="2000"/>
     </mc:Choice>
-    <mc:Fallback xmlns="">
+    <mc:Fallback>
       <p:transition spd="slow"/>
     </mc:Fallback>
   </mc:AlternateContent>
@@ -8492,11 +9820,11 @@
   <p:clrMapOvr>
     <a:masterClrMapping/>
   </p:clrMapOvr>
-  <mc:AlternateContent xmlns:mc="http://schemas.openxmlformats.org/markup-compatibility/2006" xmlns:p14="http://schemas.microsoft.com/office/powerpoint/2010/main">
-    <mc:Choice Requires="p14">
+  <mc:AlternateContent xmlns:mc="http://schemas.openxmlformats.org/markup-compatibility/2006">
+    <mc:Choice xmlns:p14="http://schemas.microsoft.com/office/powerpoint/2010/main" xmlns="" Requires="p14">
       <p:transition spd="slow" p14:dur="2000"/>
     </mc:Choice>
-    <mc:Fallback xmlns="">
+    <mc:Fallback>
       <p:transition spd="slow"/>
     </mc:Fallback>
   </mc:AlternateContent>
@@ -8643,11 +9971,11 @@
   <p:clrMapOvr>
     <a:masterClrMapping/>
   </p:clrMapOvr>
-  <mc:AlternateContent xmlns:mc="http://schemas.openxmlformats.org/markup-compatibility/2006" xmlns:p14="http://schemas.microsoft.com/office/powerpoint/2010/main">
-    <mc:Choice Requires="p14">
+  <mc:AlternateContent xmlns:mc="http://schemas.openxmlformats.org/markup-compatibility/2006">
+    <mc:Choice xmlns:p14="http://schemas.microsoft.com/office/powerpoint/2010/main" xmlns="" Requires="p14">
       <p:transition spd="slow" p14:dur="2000"/>
     </mc:Choice>
-    <mc:Fallback xmlns="">
+    <mc:Fallback>
       <p:transition spd="slow"/>
     </mc:Fallback>
   </mc:AlternateContent>
@@ -8787,11 +10115,11 @@
   <p:clrMapOvr>
     <a:masterClrMapping/>
   </p:clrMapOvr>
-  <mc:AlternateContent xmlns:mc="http://schemas.openxmlformats.org/markup-compatibility/2006" xmlns:p14="http://schemas.microsoft.com/office/powerpoint/2010/main">
-    <mc:Choice Requires="p14">
+  <mc:AlternateContent xmlns:mc="http://schemas.openxmlformats.org/markup-compatibility/2006">
+    <mc:Choice xmlns:p14="http://schemas.microsoft.com/office/powerpoint/2010/main" xmlns="" Requires="p14">
       <p:transition spd="slow" p14:dur="2000"/>
     </mc:Choice>
-    <mc:Fallback xmlns="">
+    <mc:Fallback>
       <p:transition spd="slow"/>
     </mc:Fallback>
   </mc:AlternateContent>
@@ -9080,11 +10408,11 @@
   <p:clrMapOvr>
     <a:masterClrMapping/>
   </p:clrMapOvr>
-  <mc:AlternateContent xmlns:mc="http://schemas.openxmlformats.org/markup-compatibility/2006" xmlns:p14="http://schemas.microsoft.com/office/powerpoint/2010/main">
-    <mc:Choice Requires="p14">
+  <mc:AlternateContent xmlns:mc="http://schemas.openxmlformats.org/markup-compatibility/2006">
+    <mc:Choice xmlns:p14="http://schemas.microsoft.com/office/powerpoint/2010/main" xmlns="" Requires="p14">
       <p:transition spd="slow" p14:dur="2000"/>
     </mc:Choice>
-    <mc:Fallback xmlns="">
+    <mc:Fallback>
       <p:transition spd="slow"/>
     </mc:Fallback>
   </mc:AlternateContent>
@@ -9284,11 +10612,11 @@
   <p:clrMapOvr>
     <a:masterClrMapping/>
   </p:clrMapOvr>
-  <mc:AlternateContent xmlns:mc="http://schemas.openxmlformats.org/markup-compatibility/2006" xmlns:p14="http://schemas.microsoft.com/office/powerpoint/2010/main">
-    <mc:Choice Requires="p14">
+  <mc:AlternateContent xmlns:mc="http://schemas.openxmlformats.org/markup-compatibility/2006">
+    <mc:Choice xmlns:p14="http://schemas.microsoft.com/office/powerpoint/2010/main" xmlns="" Requires="p14">
       <p:transition spd="slow" p14:dur="2000"/>
     </mc:Choice>
-    <mc:Fallback xmlns="">
+    <mc:Fallback>
       <p:transition spd="slow"/>
     </mc:Fallback>
   </mc:AlternateContent>
@@ -9484,11 +10812,11 @@
   <p:clrMapOvr>
     <a:masterClrMapping/>
   </p:clrMapOvr>
-  <mc:AlternateContent xmlns:mc="http://schemas.openxmlformats.org/markup-compatibility/2006" xmlns:p14="http://schemas.microsoft.com/office/powerpoint/2010/main">
-    <mc:Choice Requires="p14">
+  <mc:AlternateContent xmlns:mc="http://schemas.openxmlformats.org/markup-compatibility/2006">
+    <mc:Choice xmlns:p14="http://schemas.microsoft.com/office/powerpoint/2010/main" xmlns="" Requires="p14">
       <p:transition spd="slow" p14:dur="2000"/>
     </mc:Choice>
-    <mc:Fallback xmlns="">
+    <mc:Fallback>
       <p:transition spd="slow"/>
     </mc:Fallback>
   </mc:AlternateContent>
@@ -9510,7 +10838,7 @@
         <a:sysClr val="windowText" lastClr="000000"/>
       </a:dk1>
       <a:lt1>
-        <a:sysClr val="window" lastClr="CCE8CF"/>
+        <a:sysClr val="window" lastClr="FFFFFF"/>
       </a:lt1>
       <a:dk2>
         <a:srgbClr val="1F497D"/>
@@ -9834,7 +11162,7 @@
   <a:extraClrSchemeLst/>
   <a:extLst>
     <a:ext uri="{05A4C25C-085E-4340-85A3-A5531E510DB2}">
-      <thm15:themeFamily xmlns:thm15="http://schemas.microsoft.com/office/thememl/2012/main" xmlns="" name="Office Theme" id="{62F939B6-93AF-4DB8-9C6B-D6C7DFDC589F}" vid="{4A3C46E8-61CC-4603-A589-7422A47A8E4A}"/>
+      <thm15:themeFamily xmlns="" xmlns:thm15="http://schemas.microsoft.com/office/thememl/2012/main" name="Office Theme" id="{62F939B6-93AF-4DB8-9C6B-D6C7DFDC589F}" vid="{4A3C46E8-61CC-4603-A589-7422A47A8E4A}"/>
     </a:ext>
   </a:extLst>
 </a:theme>
@@ -9848,7 +11176,7 @@
         <a:sysClr val="windowText" lastClr="000000"/>
       </a:dk1>
       <a:lt1>
-        <a:sysClr val="window" lastClr="CCE8CF"/>
+        <a:sysClr val="window" lastClr="FFFFFF"/>
       </a:lt1>
       <a:dk2>
         <a:srgbClr val="44546A"/>
@@ -10095,7 +11423,7 @@
   <a:extraClrSchemeLst/>
   <a:extLst>
     <a:ext uri="{05A4C25C-085E-4340-85A3-A5531E510DB2}">
-      <thm15:themeFamily xmlns:thm15="http://schemas.microsoft.com/office/thememl/2012/main" xmlns="" name="Office Theme" id="{62F939B6-93AF-4DB8-9C6B-D6C7DFDC589F}" vid="{4A3C46E8-61CC-4603-A589-7422A47A8E4A}"/>
+      <thm15:themeFamily xmlns="" xmlns:thm15="http://schemas.microsoft.com/office/thememl/2012/main" name="Office Theme" id="{62F939B6-93AF-4DB8-9C6B-D6C7DFDC589F}" vid="{4A3C46E8-61CC-4603-A589-7422A47A8E4A}"/>
     </a:ext>
   </a:extLst>
 </a:theme>
@@ -10109,7 +11437,7 @@
         <a:sysClr val="windowText" lastClr="000000"/>
       </a:dk1>
       <a:lt1>
-        <a:sysClr val="window" lastClr="CCE8CF"/>
+        <a:sysClr val="window" lastClr="FFFFFF"/>
       </a:lt1>
       <a:dk2>
         <a:srgbClr val="1F497D"/>
